--- a/SE489/Lectures/4-Containerization/Containerization.pptx
+++ b/SE489/Lectures/4-Containerization/Containerization.pptx
@@ -5,7 +5,7 @@
     <p:sldMasterId id="2147483648" r:id="rId1"/>
   </p:sldMasterIdLst>
   <p:notesMasterIdLst>
-    <p:notesMasterId r:id="rId36"/>
+    <p:notesMasterId r:id="rId38"/>
   </p:notesMasterIdLst>
   <p:sldIdLst>
     <p:sldId id="256" r:id="rId2"/>
@@ -37,11 +37,13 @@
     <p:sldId id="552" r:id="rId28"/>
     <p:sldId id="548" r:id="rId29"/>
     <p:sldId id="553" r:id="rId30"/>
-    <p:sldId id="554" r:id="rId31"/>
-    <p:sldId id="556" r:id="rId32"/>
-    <p:sldId id="557" r:id="rId33"/>
-    <p:sldId id="555" r:id="rId34"/>
-    <p:sldId id="559" r:id="rId35"/>
+    <p:sldId id="560" r:id="rId31"/>
+    <p:sldId id="562" r:id="rId32"/>
+    <p:sldId id="554" r:id="rId33"/>
+    <p:sldId id="556" r:id="rId34"/>
+    <p:sldId id="557" r:id="rId35"/>
+    <p:sldId id="555" r:id="rId36"/>
+    <p:sldId id="559" r:id="rId37"/>
   </p:sldIdLst>
   <p:sldSz cx="12192000" cy="6858000"/>
   <p:notesSz cx="6858000" cy="9144000"/>
@@ -12376,16 +12378,7 @@
                 </a:solidFill>
                 <a:latin typeface="Candara" panose="020E0502030303020204" pitchFamily="34" charset="0"/>
               </a:rPr>
-              <a:t>Docker </a:t>
-            </a:r>
-            <a:r>
-              <a:rPr lang="en-US" sz="1700" dirty="0" smtClean="0">
-                <a:solidFill>
-                  <a:schemeClr val="tx1"/>
-                </a:solidFill>
-                <a:latin typeface="Candara" panose="020E0502030303020204" pitchFamily="34" charset="0"/>
-              </a:rPr>
-              <a:t>Trusted Registry</a:t>
+              <a:t>Docker Trusted Registry</a:t>
             </a:r>
             <a:endParaRPr lang="en-US" sz="1700" dirty="0">
               <a:solidFill>
@@ -13181,14 +13174,115 @@
         </p:blipFill>
         <p:spPr>
           <a:xfrm>
-            <a:off x="1531429" y="1497412"/>
-            <a:ext cx="9001125" cy="4705350"/>
+            <a:off x="5534924" y="1824202"/>
+            <a:ext cx="6463367" cy="3378734"/>
           </a:xfrm>
           <a:prstGeom prst="rect">
             <a:avLst/>
           </a:prstGeom>
         </p:spPr>
       </p:pic>
+      <p:sp>
+        <p:nvSpPr>
+          <p:cNvPr id="7" name="Content Placeholder 2"/>
+          <p:cNvSpPr>
+            <a:spLocks noGrp="1"/>
+          </p:cNvSpPr>
+          <p:nvPr>
+            <p:ph idx="1"/>
+          </p:nvPr>
+        </p:nvSpPr>
+        <p:spPr>
+          <a:xfrm>
+            <a:off x="347526" y="1335024"/>
+            <a:ext cx="5257746" cy="5038344"/>
+          </a:xfrm>
+        </p:spPr>
+        <p:txBody>
+          <a:bodyPr>
+            <a:normAutofit/>
+          </a:bodyPr>
+          <a:lstStyle/>
+          <a:p>
+            <a:r>
+              <a:rPr lang="en-US" dirty="0"/>
+              <a:t>Docker </a:t>
+            </a:r>
+            <a:r>
+              <a:rPr lang="en-US" dirty="0" smtClean="0"/>
+              <a:t>Client</a:t>
+            </a:r>
+          </a:p>
+          <a:p>
+            <a:pPr lvl="1"/>
+            <a:r>
+              <a:rPr lang="en-US" dirty="0" smtClean="0"/>
+              <a:t>Command Line Interface (CLI)</a:t>
+            </a:r>
+            <a:endParaRPr lang="en-US" dirty="0" smtClean="0"/>
+          </a:p>
+          <a:p>
+            <a:r>
+              <a:rPr lang="en-US" dirty="0" smtClean="0"/>
+              <a:t>Docker File</a:t>
+            </a:r>
+          </a:p>
+          <a:p>
+            <a:pPr lvl="1"/>
+            <a:r>
+              <a:rPr lang="en-US" dirty="0" smtClean="0"/>
+              <a:t>Text file instructions</a:t>
+            </a:r>
+          </a:p>
+          <a:p>
+            <a:r>
+              <a:rPr lang="en-US" dirty="0" smtClean="0"/>
+              <a:t>Image</a:t>
+            </a:r>
+          </a:p>
+          <a:p>
+            <a:pPr lvl="1"/>
+            <a:r>
+              <a:rPr lang="en-US" dirty="0" smtClean="0"/>
+              <a:t>Hierarchies of files built from Docker File </a:t>
+            </a:r>
+            <a:endParaRPr lang="en-US" dirty="0" smtClean="0"/>
+          </a:p>
+          <a:p>
+            <a:r>
+              <a:rPr lang="en-US" dirty="0" smtClean="0"/>
+              <a:t>Container</a:t>
+            </a:r>
+          </a:p>
+          <a:p>
+            <a:pPr lvl="1"/>
+            <a:r>
+              <a:rPr lang="en-US" dirty="0" smtClean="0"/>
+              <a:t>Running instances of an image</a:t>
+            </a:r>
+          </a:p>
+          <a:p>
+            <a:r>
+              <a:rPr lang="en-US" dirty="0" smtClean="0"/>
+              <a:t>Registry</a:t>
+            </a:r>
+          </a:p>
+          <a:p>
+            <a:pPr lvl="1"/>
+            <a:r>
+              <a:rPr lang="en-US" dirty="0" smtClean="0"/>
+              <a:t>Image repository</a:t>
+            </a:r>
+            <a:endParaRPr lang="en-US" dirty="0" smtClean="0"/>
+          </a:p>
+          <a:p>
+            <a:endParaRPr lang="en-US" dirty="0"/>
+          </a:p>
+          <a:p>
+            <a:endParaRPr lang="en-US" dirty="0"/>
+          </a:p>
+        </p:txBody>
+      </p:sp>
     </p:spTree>
     <p:extLst>
       <p:ext uri="{BB962C8B-B14F-4D97-AF65-F5344CB8AC3E}">
@@ -13375,13 +13469,7 @@
               <a:rPr lang="en-US" sz="2600" dirty="0">
                 <a:latin typeface="Candara" panose="020E0502030303020204" pitchFamily="34" charset="0"/>
               </a:rPr>
-              <a:t>Why </a:t>
-            </a:r>
-            <a:r>
-              <a:rPr lang="en-US" sz="2600" dirty="0">
-                <a:latin typeface="Candara" panose="020E0502030303020204" pitchFamily="34" charset="0"/>
-              </a:rPr>
-              <a:t>use Docker Registries?</a:t>
+              <a:t>Why use Docker Registries?</a:t>
             </a:r>
           </a:p>
           <a:p>
@@ -13417,13 +13505,7 @@
               <a:rPr lang="en-US" sz="2200" dirty="0">
                 <a:latin typeface="Candara" panose="020E0502030303020204" pitchFamily="34" charset="0"/>
               </a:rPr>
-              <a:t>Integrate image </a:t>
-            </a:r>
-            <a:r>
-              <a:rPr lang="en-US" sz="2200" dirty="0">
-                <a:latin typeface="Candara" panose="020E0502030303020204" pitchFamily="34" charset="0"/>
-              </a:rPr>
-              <a:t>storage with your in-house development workflow</a:t>
+              <a:t>Integrate image storage with your in-house development workflow</a:t>
             </a:r>
           </a:p>
         </p:txBody>
@@ -13526,8 +13608,8 @@
         </p:blipFill>
         <p:spPr bwMode="auto">
           <a:xfrm>
-            <a:off x="5345417" y="1244220"/>
-            <a:ext cx="6652874" cy="5248655"/>
+            <a:off x="5844007" y="1334358"/>
+            <a:ext cx="6154284" cy="4855302"/>
           </a:xfrm>
           <a:prstGeom prst="rect">
             <a:avLst/>
@@ -13554,13 +13636,13 @@
         </p:nvPicPr>
         <p:blipFill rotWithShape="1">
           <a:blip r:embed="rId3"/>
-          <a:srcRect l="15223" t="33803" r="66356" b="52635"/>
+          <a:srcRect l="15223" t="36179" r="66356" b="54474"/>
           <a:stretch/>
         </p:blipFill>
         <p:spPr>
           <a:xfrm>
-            <a:off x="298130" y="1361819"/>
-            <a:ext cx="3368897" cy="1395167"/>
+            <a:off x="238691" y="1334358"/>
+            <a:ext cx="3368897" cy="961534"/>
           </a:xfrm>
           <a:prstGeom prst="rect">
             <a:avLst/>
@@ -13584,7 +13666,7 @@
         </p:blipFill>
         <p:spPr>
           <a:xfrm>
-            <a:off x="234122" y="2625076"/>
+            <a:off x="246058" y="1872855"/>
             <a:ext cx="5012625" cy="1395123"/>
           </a:xfrm>
           <a:prstGeom prst="rect">
@@ -13592,6 +13674,118 @@
           </a:prstGeom>
         </p:spPr>
       </p:pic>
+      <p:sp>
+        <p:nvSpPr>
+          <p:cNvPr id="3" name="Rectangle 2"/>
+          <p:cNvSpPr/>
+          <p:nvPr/>
+        </p:nvSpPr>
+        <p:spPr>
+          <a:xfrm>
+            <a:off x="347527" y="3267978"/>
+            <a:ext cx="5496480" cy="2708434"/>
+          </a:xfrm>
+          <a:prstGeom prst="rect">
+            <a:avLst/>
+          </a:prstGeom>
+        </p:spPr>
+        <p:txBody>
+          <a:bodyPr wrap="square">
+            <a:spAutoFit/>
+          </a:bodyPr>
+          <a:lstStyle/>
+          <a:p>
+            <a:r>
+              <a:rPr lang="en-US" sz="2000" dirty="0">
+                <a:solidFill>
+                  <a:srgbClr val="202124"/>
+                </a:solidFill>
+                <a:latin typeface="Candara" panose="020E0502030303020204" pitchFamily="34" charset="0"/>
+              </a:rPr>
+              <a:t>Docker Hub is a service for finding and sharing container images with your team and the Docker community. </a:t>
+            </a:r>
+            <a:endParaRPr lang="en-US" sz="2000" dirty="0" smtClean="0">
+              <a:solidFill>
+                <a:srgbClr val="202124"/>
+              </a:solidFill>
+              <a:latin typeface="Candara" panose="020E0502030303020204" pitchFamily="34" charset="0"/>
+            </a:endParaRPr>
+          </a:p>
+          <a:p>
+            <a:endParaRPr lang="en-US" sz="2000" dirty="0" smtClean="0">
+              <a:solidFill>
+                <a:srgbClr val="202124"/>
+              </a:solidFill>
+              <a:latin typeface="Candara" panose="020E0502030303020204" pitchFamily="34" charset="0"/>
+            </a:endParaRPr>
+          </a:p>
+          <a:p>
+            <a:r>
+              <a:rPr lang="en-US" b="1" dirty="0" smtClean="0">
+                <a:solidFill>
+                  <a:srgbClr val="202124"/>
+                </a:solidFill>
+                <a:latin typeface="Candara" panose="020E0502030303020204" pitchFamily="34" charset="0"/>
+              </a:rPr>
+              <a:t>Key </a:t>
+            </a:r>
+            <a:r>
+              <a:rPr lang="en-US" b="1" dirty="0">
+                <a:solidFill>
+                  <a:srgbClr val="202124"/>
+                </a:solidFill>
+                <a:latin typeface="Candara" panose="020E0502030303020204" pitchFamily="34" charset="0"/>
+              </a:rPr>
+              <a:t>features </a:t>
+            </a:r>
+            <a:endParaRPr lang="en-US" b="1" dirty="0" smtClean="0">
+              <a:solidFill>
+                <a:srgbClr val="202124"/>
+              </a:solidFill>
+              <a:latin typeface="Candara" panose="020E0502030303020204" pitchFamily="34" charset="0"/>
+            </a:endParaRPr>
+          </a:p>
+          <a:p>
+            <a:pPr marL="285750" indent="-285750">
+              <a:buFont typeface="Arial" panose="020B0604020202020204" pitchFamily="34" charset="0"/>
+              <a:buChar char="•"/>
+            </a:pPr>
+            <a:r>
+              <a:rPr lang="en-US" dirty="0">
+                <a:solidFill>
+                  <a:srgbClr val="202124"/>
+                </a:solidFill>
+                <a:latin typeface="Candara" panose="020E0502030303020204" pitchFamily="34" charset="0"/>
+              </a:rPr>
+              <a:t>Explore the world’s largest container image repository</a:t>
+            </a:r>
+            <a:endParaRPr lang="en-US" sz="1600" dirty="0" smtClean="0">
+              <a:solidFill>
+                <a:srgbClr val="202124"/>
+              </a:solidFill>
+              <a:latin typeface="Candara" panose="020E0502030303020204" pitchFamily="34" charset="0"/>
+            </a:endParaRPr>
+          </a:p>
+          <a:p>
+            <a:pPr marL="285750" indent="-285750">
+              <a:buFont typeface="Arial" panose="020B0604020202020204" pitchFamily="34" charset="0"/>
+              <a:buChar char="•"/>
+            </a:pPr>
+            <a:r>
+              <a:rPr lang="en-US" dirty="0">
+                <a:solidFill>
+                  <a:srgbClr val="202124"/>
+                </a:solidFill>
+                <a:latin typeface="Candara" panose="020E0502030303020204" pitchFamily="34" charset="0"/>
+              </a:rPr>
+              <a:t>Share and store images in public or private repositories</a:t>
+            </a:r>
+            <a:endParaRPr lang="en-US" sz="1600" dirty="0">
+              <a:latin typeface="Candara" panose="020E0502030303020204" pitchFamily="34" charset="0"/>
+            </a:endParaRPr>
+          </a:p>
+        </p:txBody>
+      </p:sp>
     </p:spTree>
     <p:extLst>
       <p:ext uri="{BB962C8B-B14F-4D97-AF65-F5344CB8AC3E}">
@@ -13740,7 +13934,79 @@
           <a:p>
             <a:r>
               <a:rPr lang="en-US" dirty="0" smtClean="0"/>
-              <a:t>Docker Images and Containers</a:t>
+              <a:t>Docker Image</a:t>
+            </a:r>
+            <a:endParaRPr lang="en-US" dirty="0"/>
+          </a:p>
+        </p:txBody>
+      </p:sp>
+      <p:sp>
+        <p:nvSpPr>
+          <p:cNvPr id="3" name="Content Placeholder 2"/>
+          <p:cNvSpPr>
+            <a:spLocks noGrp="1"/>
+          </p:cNvSpPr>
+          <p:nvPr>
+            <p:ph idx="1"/>
+          </p:nvPr>
+        </p:nvSpPr>
+        <p:spPr/>
+        <p:txBody>
+          <a:bodyPr/>
+          <a:lstStyle/>
+          <a:p>
+            <a:pPr>
+              <a:lnSpc>
+                <a:spcPct val="150000"/>
+              </a:lnSpc>
+            </a:pPr>
+            <a:r>
+              <a:rPr lang="en-US" dirty="0" smtClean="0"/>
+              <a:t>An image is a collection of files and some meta data</a:t>
+            </a:r>
+          </a:p>
+          <a:p>
+            <a:pPr>
+              <a:lnSpc>
+                <a:spcPct val="150000"/>
+              </a:lnSpc>
+            </a:pPr>
+            <a:r>
+              <a:rPr lang="en-US" dirty="0" smtClean="0"/>
+              <a:t>Images are comprised of multiple layers</a:t>
+            </a:r>
+          </a:p>
+          <a:p>
+            <a:pPr>
+              <a:lnSpc>
+                <a:spcPct val="150000"/>
+              </a:lnSpc>
+            </a:pPr>
+            <a:r>
+              <a:rPr lang="en-US" dirty="0" smtClean="0"/>
+              <a:t>Each image contains software you want to run</a:t>
+            </a:r>
+          </a:p>
+          <a:p>
+            <a:pPr>
+              <a:lnSpc>
+                <a:spcPct val="150000"/>
+              </a:lnSpc>
+            </a:pPr>
+            <a:r>
+              <a:rPr lang="en-US" dirty="0" smtClean="0"/>
+              <a:t>Every image contains a base layer</a:t>
+            </a:r>
+          </a:p>
+          <a:p>
+            <a:pPr>
+              <a:lnSpc>
+                <a:spcPct val="150000"/>
+              </a:lnSpc>
+            </a:pPr>
+            <a:r>
+              <a:rPr lang="en-US" dirty="0" smtClean="0"/>
+              <a:t>Layers are ready only</a:t>
             </a:r>
             <a:endParaRPr lang="en-US" dirty="0"/>
           </a:p>
@@ -13770,168 +14036,29 @@
           </a:p>
         </p:txBody>
       </p:sp>
-      <p:sp>
-        <p:nvSpPr>
-          <p:cNvPr id="5" name="Rectangle 4"/>
-          <p:cNvSpPr/>
-          <p:nvPr/>
-        </p:nvSpPr>
-        <p:spPr>
-          <a:xfrm>
-            <a:off x="457200" y="4252725"/>
-            <a:ext cx="5449824" cy="1179810"/>
-          </a:xfrm>
-          <a:prstGeom prst="rect">
-            <a:avLst/>
-          </a:prstGeom>
-        </p:spPr>
-        <p:txBody>
-          <a:bodyPr wrap="square">
-            <a:spAutoFit/>
-          </a:bodyPr>
-          <a:lstStyle/>
-          <a:p>
-            <a:pPr marL="228600" indent="-228600">
-              <a:lnSpc>
-                <a:spcPct val="90000"/>
-              </a:lnSpc>
-              <a:spcBef>
-                <a:spcPts val="1000"/>
-              </a:spcBef>
-              <a:buFont typeface="Arial" panose="020B0604020202020204" pitchFamily="34" charset="0"/>
-              <a:buChar char="•"/>
-            </a:pPr>
-            <a:r>
-              <a:rPr lang="en-US" sz="2000" dirty="0" smtClean="0">
-                <a:latin typeface="Candara" panose="020E0502030303020204" pitchFamily="34" charset="0"/>
-              </a:rPr>
-              <a:t>Read Only Template used to create Containers</a:t>
-            </a:r>
-          </a:p>
-          <a:p>
-            <a:pPr marL="228600" indent="-228600">
-              <a:lnSpc>
-                <a:spcPct val="90000"/>
-              </a:lnSpc>
-              <a:spcBef>
-                <a:spcPts val="1000"/>
-              </a:spcBef>
-              <a:buFont typeface="Arial" panose="020B0604020202020204" pitchFamily="34" charset="0"/>
-              <a:buChar char="•"/>
-            </a:pPr>
-            <a:r>
-              <a:rPr lang="en-US" sz="2000" dirty="0" smtClean="0">
-                <a:latin typeface="Candara" panose="020E0502030303020204" pitchFamily="34" charset="0"/>
-              </a:rPr>
-              <a:t>Built by Docker Users</a:t>
-            </a:r>
-          </a:p>
-          <a:p>
-            <a:pPr marL="228600" indent="-228600">
-              <a:lnSpc>
-                <a:spcPct val="90000"/>
-              </a:lnSpc>
-              <a:spcBef>
-                <a:spcPts val="1000"/>
-              </a:spcBef>
-              <a:buFont typeface="Arial" panose="020B0604020202020204" pitchFamily="34" charset="0"/>
-              <a:buChar char="•"/>
-            </a:pPr>
-            <a:r>
-              <a:rPr lang="en-US" sz="2000" dirty="0" smtClean="0">
-                <a:latin typeface="Candara" panose="020E0502030303020204" pitchFamily="34" charset="0"/>
-              </a:rPr>
-              <a:t>Stored in a Docker Hub or your local Registry</a:t>
-            </a:r>
-            <a:endParaRPr lang="en-US" sz="2000" dirty="0">
-              <a:latin typeface="Candara" panose="020E0502030303020204" pitchFamily="34" charset="0"/>
-            </a:endParaRPr>
-          </a:p>
-        </p:txBody>
-      </p:sp>
       <p:pic>
         <p:nvPicPr>
-          <p:cNvPr id="6" name="Picture 5"/>
-          <p:cNvPicPr>
-            <a:picLocks noChangeAspect="1"/>
-          </p:cNvPicPr>
-          <p:nvPr/>
-        </p:nvPicPr>
-        <p:blipFill rotWithShape="1">
-          <a:blip r:embed="rId2"/>
-          <a:srcRect l="18677" t="31696" r="73385" b="53642"/>
-          <a:stretch/>
-        </p:blipFill>
-        <p:spPr>
-          <a:xfrm>
-            <a:off x="1731822" y="2247054"/>
-            <a:ext cx="1249122" cy="1297788"/>
-          </a:xfrm>
-          <a:prstGeom prst="rect">
-            <a:avLst/>
-          </a:prstGeom>
-        </p:spPr>
-      </p:pic>
-      <p:sp>
-        <p:nvSpPr>
-          <p:cNvPr id="7" name="TextBox 6"/>
-          <p:cNvSpPr txBox="1"/>
-          <p:nvPr/>
-        </p:nvSpPr>
-        <p:spPr>
-          <a:xfrm>
-            <a:off x="1405407" y="3544842"/>
-            <a:ext cx="1901952" cy="374904"/>
-          </a:xfrm>
-          <a:prstGeom prst="rect">
-            <a:avLst/>
-          </a:prstGeom>
-          <a:noFill/>
-        </p:spPr>
-        <p:txBody>
-          <a:bodyPr wrap="square" rtlCol="0">
-            <a:spAutoFit/>
-          </a:bodyPr>
-          <a:lstStyle/>
-          <a:p>
-            <a:pPr algn="ctr"/>
-            <a:r>
-              <a:rPr lang="en-US" b="1" dirty="0" smtClean="0">
-                <a:latin typeface="Candara" panose="020E0502030303020204" pitchFamily="34" charset="0"/>
-              </a:rPr>
-              <a:t>Docker Image</a:t>
-            </a:r>
-            <a:endParaRPr lang="en-US" b="1" dirty="0">
-              <a:latin typeface="Candara" panose="020E0502030303020204" pitchFamily="34" charset="0"/>
-            </a:endParaRPr>
-          </a:p>
-        </p:txBody>
-      </p:sp>
-      <p:pic>
-        <p:nvPicPr>
-          <p:cNvPr id="8194" name="Picture 2" descr="Docker Container Icon #346704 - Free Icons Library"/>
+          <p:cNvPr id="1026" name="Picture 2" descr="https://player.slideplayer.com/76/12637290/slides/slide_7.jpg"/>
           <p:cNvPicPr>
             <a:picLocks noChangeAspect="1" noChangeArrowheads="1"/>
           </p:cNvPicPr>
           <p:nvPr/>
         </p:nvPicPr>
-        <p:blipFill>
-          <a:blip r:embed="rId3">
+        <p:blipFill rotWithShape="1">
+          <a:blip r:embed="rId2">
             <a:extLst>
               <a:ext uri="{28A0092B-C50C-407E-A947-70E740481C1C}">
                 <a14:useLocalDpi xmlns:a14="http://schemas.microsoft.com/office/drawing/2010/main" val="0"/>
               </a:ext>
             </a:extLst>
           </a:blip>
-          <a:srcRect/>
-          <a:stretch>
-            <a:fillRect/>
-          </a:stretch>
+          <a:srcRect l="64686" t="24250" r="4095" b="30750"/>
+          <a:stretch/>
         </p:blipFill>
         <p:spPr bwMode="auto">
           <a:xfrm>
-            <a:off x="7007108" y="1413763"/>
-            <a:ext cx="3810244" cy="2964370"/>
+            <a:off x="8953338" y="2615647"/>
+            <a:ext cx="3044953" cy="2468880"/>
           </a:xfrm>
           <a:prstGeom prst="rect">
             <a:avLst/>
@@ -13948,200 +14075,10 @@
           </a:extLst>
         </p:spPr>
       </p:pic>
-      <p:sp>
-        <p:nvSpPr>
-          <p:cNvPr id="9" name="Rectangle 8"/>
-          <p:cNvSpPr/>
-          <p:nvPr/>
-        </p:nvSpPr>
-        <p:spPr>
-          <a:xfrm>
-            <a:off x="7007107" y="4252725"/>
-            <a:ext cx="4730537" cy="1456809"/>
-          </a:xfrm>
-          <a:prstGeom prst="rect">
-            <a:avLst/>
-          </a:prstGeom>
-        </p:spPr>
-        <p:txBody>
-          <a:bodyPr wrap="square">
-            <a:spAutoFit/>
-          </a:bodyPr>
-          <a:lstStyle/>
-          <a:p>
-            <a:pPr marL="228600" indent="-228600">
-              <a:lnSpc>
-                <a:spcPct val="90000"/>
-              </a:lnSpc>
-              <a:spcBef>
-                <a:spcPts val="1000"/>
-              </a:spcBef>
-              <a:buFont typeface="Arial" panose="020B0604020202020204" pitchFamily="34" charset="0"/>
-              <a:buChar char="•"/>
-            </a:pPr>
-            <a:r>
-              <a:rPr lang="en-US" sz="2000" dirty="0" smtClean="0">
-                <a:latin typeface="Candara" panose="020E0502030303020204" pitchFamily="34" charset="0"/>
-              </a:rPr>
-              <a:t>Isolated Application Platform</a:t>
-            </a:r>
-          </a:p>
-          <a:p>
-            <a:pPr marL="228600" indent="-228600">
-              <a:lnSpc>
-                <a:spcPct val="90000"/>
-              </a:lnSpc>
-              <a:spcBef>
-                <a:spcPts val="1000"/>
-              </a:spcBef>
-              <a:buFont typeface="Arial" panose="020B0604020202020204" pitchFamily="34" charset="0"/>
-              <a:buChar char="•"/>
-            </a:pPr>
-            <a:r>
-              <a:rPr lang="en-US" sz="2000" dirty="0" smtClean="0">
-                <a:latin typeface="Candara" panose="020E0502030303020204" pitchFamily="34" charset="0"/>
-              </a:rPr>
-              <a:t>Contains everything needed to run the application</a:t>
-            </a:r>
-          </a:p>
-          <a:p>
-            <a:pPr marL="228600" indent="-228600">
-              <a:lnSpc>
-                <a:spcPct val="90000"/>
-              </a:lnSpc>
-              <a:spcBef>
-                <a:spcPts val="1000"/>
-              </a:spcBef>
-              <a:buFont typeface="Arial" panose="020B0604020202020204" pitchFamily="34" charset="0"/>
-              <a:buChar char="•"/>
-            </a:pPr>
-            <a:r>
-              <a:rPr lang="en-US" sz="2000" dirty="0" smtClean="0">
-                <a:latin typeface="Candara" panose="020E0502030303020204" pitchFamily="34" charset="0"/>
-              </a:rPr>
-              <a:t>Built from one or more images</a:t>
-            </a:r>
-            <a:endParaRPr lang="en-US" sz="2000" dirty="0">
-              <a:latin typeface="Candara" panose="020E0502030303020204" pitchFamily="34" charset="0"/>
-            </a:endParaRPr>
-          </a:p>
-        </p:txBody>
-      </p:sp>
-      <p:cxnSp>
-        <p:nvCxnSpPr>
-          <p:cNvPr id="10" name="Straight Arrow Connector 9"/>
-          <p:cNvCxnSpPr/>
-          <p:nvPr/>
-        </p:nvCxnSpPr>
-        <p:spPr>
-          <a:xfrm>
-            <a:off x="3419856" y="2895948"/>
-            <a:ext cx="3712464" cy="0"/>
-          </a:xfrm>
-          <a:prstGeom prst="straightConnector1">
-            <a:avLst/>
-          </a:prstGeom>
-          <a:ln w="38100">
-            <a:tailEnd type="triangle"/>
-          </a:ln>
-          <a:effectLst>
-            <a:glow rad="228600">
-              <a:schemeClr val="accent4">
-                <a:satMod val="175000"/>
-                <a:alpha val="40000"/>
-              </a:schemeClr>
-            </a:glow>
-          </a:effectLst>
-        </p:spPr>
-        <p:style>
-          <a:lnRef idx="1">
-            <a:schemeClr val="accent1"/>
-          </a:lnRef>
-          <a:fillRef idx="0">
-            <a:schemeClr val="accent1"/>
-          </a:fillRef>
-          <a:effectRef idx="0">
-            <a:schemeClr val="accent1"/>
-          </a:effectRef>
-          <a:fontRef idx="minor">
-            <a:schemeClr val="tx1"/>
-          </a:fontRef>
-        </p:style>
-      </p:cxnSp>
-      <p:sp>
-        <p:nvSpPr>
-          <p:cNvPr id="13" name="TextBox 12"/>
-          <p:cNvSpPr txBox="1"/>
-          <p:nvPr/>
-        </p:nvSpPr>
-        <p:spPr>
-          <a:xfrm>
-            <a:off x="4148287" y="2502033"/>
-            <a:ext cx="1901952" cy="374904"/>
-          </a:xfrm>
-          <a:prstGeom prst="rect">
-            <a:avLst/>
-          </a:prstGeom>
-          <a:noFill/>
-        </p:spPr>
-        <p:txBody>
-          <a:bodyPr wrap="square" rtlCol="0">
-            <a:spAutoFit/>
-          </a:bodyPr>
-          <a:lstStyle/>
-          <a:p>
-            <a:pPr algn="ctr"/>
-            <a:r>
-              <a:rPr lang="en-US" b="1" dirty="0" smtClean="0">
-                <a:latin typeface="Candara" panose="020E0502030303020204" pitchFamily="34" charset="0"/>
-              </a:rPr>
-              <a:t>run</a:t>
-            </a:r>
-            <a:endParaRPr lang="en-US" b="1" dirty="0">
-              <a:latin typeface="Candara" panose="020E0502030303020204" pitchFamily="34" charset="0"/>
-            </a:endParaRPr>
-          </a:p>
-        </p:txBody>
-      </p:sp>
-      <p:sp>
-        <p:nvSpPr>
-          <p:cNvPr id="14" name="TextBox 13"/>
-          <p:cNvSpPr txBox="1"/>
-          <p:nvPr/>
-        </p:nvSpPr>
-        <p:spPr>
-          <a:xfrm>
-            <a:off x="8061757" y="3671358"/>
-            <a:ext cx="1901952" cy="374904"/>
-          </a:xfrm>
-          <a:prstGeom prst="rect">
-            <a:avLst/>
-          </a:prstGeom>
-          <a:noFill/>
-        </p:spPr>
-        <p:txBody>
-          <a:bodyPr wrap="square" rtlCol="0">
-            <a:spAutoFit/>
-          </a:bodyPr>
-          <a:lstStyle/>
-          <a:p>
-            <a:pPr algn="ctr"/>
-            <a:r>
-              <a:rPr lang="en-US" b="1" dirty="0" smtClean="0">
-                <a:latin typeface="Candara" panose="020E0502030303020204" pitchFamily="34" charset="0"/>
-              </a:rPr>
-              <a:t>Docker Container</a:t>
-            </a:r>
-            <a:endParaRPr lang="en-US" b="1" dirty="0">
-              <a:latin typeface="Candara" panose="020E0502030303020204" pitchFamily="34" charset="0"/>
-            </a:endParaRPr>
-          </a:p>
-        </p:txBody>
-      </p:sp>
     </p:spTree>
     <p:extLst>
       <p:ext uri="{BB962C8B-B14F-4D97-AF65-F5344CB8AC3E}">
-        <p14:creationId xmlns:p14="http://schemas.microsoft.com/office/powerpoint/2010/main" val="3094099374"/>
+        <p14:creationId xmlns:p14="http://schemas.microsoft.com/office/powerpoint/2010/main" val="1600556370"/>
       </p:ext>
     </p:extLst>
   </p:cSld>
@@ -14184,9 +14121,10 @@
           <a:lstStyle/>
           <a:p>
             <a:r>
-              <a:rPr lang="en-US" dirty="0"/>
-              <a:t>Docker Compose</a:t>
-            </a:r>
+              <a:rPr lang="en-US" dirty="0" smtClean="0"/>
+              <a:t>Docker Container</a:t>
+            </a:r>
+            <a:endParaRPr lang="en-US" dirty="0"/>
           </a:p>
         </p:txBody>
       </p:sp>
@@ -14203,47 +14141,68 @@
         <p:spPr>
           <a:xfrm>
             <a:off x="347527" y="1406880"/>
-            <a:ext cx="8714178" cy="4746091"/>
-          </a:xfrm>
-        </p:spPr>
-        <p:txBody>
-          <a:bodyPr/>
+            <a:ext cx="6620202" cy="4746091"/>
+          </a:xfrm>
+        </p:spPr>
+        <p:txBody>
+          <a:bodyPr>
+            <a:normAutofit/>
+          </a:bodyPr>
           <a:lstStyle/>
           <a:p>
             <a:pPr>
               <a:lnSpc>
-                <a:spcPct val="200000"/>
+                <a:spcPct val="150000"/>
               </a:lnSpc>
             </a:pPr>
             <a:r>
               <a:rPr lang="en-US" dirty="0"/>
-              <a:t>Docker Compose is a tool for defining and running complex applications with Docker.</a:t>
+              <a:t>Standardized packaging for </a:t>
+            </a:r>
+            <a:r>
+              <a:rPr lang="en-US" dirty="0" smtClean="0"/>
+              <a:t>software </a:t>
+            </a:r>
+            <a:r>
+              <a:rPr lang="en-US" dirty="0"/>
+              <a:t>and dependencies</a:t>
             </a:r>
           </a:p>
           <a:p>
             <a:pPr>
               <a:lnSpc>
-                <a:spcPct val="200000"/>
+                <a:spcPct val="150000"/>
               </a:lnSpc>
             </a:pPr>
             <a:r>
-              <a:rPr lang="it-IT" dirty="0"/>
-              <a:t>Define a multi-container application in a single file</a:t>
+              <a:rPr lang="en-US" dirty="0"/>
+              <a:t>Isolate apps from each other</a:t>
             </a:r>
           </a:p>
           <a:p>
             <a:pPr>
               <a:lnSpc>
-                <a:spcPct val="200000"/>
+                <a:spcPct val="150000"/>
               </a:lnSpc>
             </a:pPr>
             <a:r>
               <a:rPr lang="en-US" dirty="0"/>
-              <a:t>Spin your application up in a single </a:t>
+              <a:t>Share the same OS kernel</a:t>
+            </a:r>
+          </a:p>
+          <a:p>
+            <a:pPr>
+              <a:lnSpc>
+                <a:spcPct val="150000"/>
+              </a:lnSpc>
+            </a:pPr>
+            <a:r>
+              <a:rPr lang="en-US" dirty="0"/>
+              <a:t>Works for all major </a:t>
             </a:r>
             <a:r>
               <a:rPr lang="en-US" dirty="0" smtClean="0"/>
-              <a:t>command</a:t>
+              <a:t>Linux distributions</a:t>
             </a:r>
             <a:endParaRPr lang="en-US" dirty="0"/>
           </a:p>
@@ -14273,57 +14232,39 @@
           </a:p>
         </p:txBody>
       </p:sp>
-      <p:pic>
-        <p:nvPicPr>
-          <p:cNvPr id="5" name="Picture 2" descr="Drupal Development with Docker Compose | Chapter Three">
-            <a:extLst>
-              <a:ext uri="{FF2B5EF4-FFF2-40B4-BE49-F238E27FC236}">
-                <a16:creationId xmlns:a16="http://schemas.microsoft.com/office/drawing/2014/main" id="{69FAA775-D804-483C-A48F-212BE2B8A719}"/>
-              </a:ext>
-            </a:extLst>
-          </p:cNvPr>
-          <p:cNvPicPr>
-            <a:picLocks noChangeAspect="1" noChangeArrowheads="1"/>
-          </p:cNvPicPr>
-          <p:nvPr/>
-        </p:nvPicPr>
-        <p:blipFill>
-          <a:blip r:embed="rId2" cstate="print">
-            <a:extLst>
-              <a:ext uri="{28A0092B-C50C-407E-A947-70E740481C1C}">
-                <a14:useLocalDpi xmlns:a14="http://schemas.microsoft.com/office/drawing/2010/main" val="0"/>
-              </a:ext>
-            </a:extLst>
-          </a:blip>
-          <a:srcRect/>
-          <a:stretch>
-            <a:fillRect/>
-          </a:stretch>
-        </p:blipFill>
-        <p:spPr bwMode="auto">
-          <a:xfrm>
-            <a:off x="8973946" y="1415507"/>
-            <a:ext cx="2763699" cy="4869160"/>
+      <p:sp>
+        <p:nvSpPr>
+          <p:cNvPr id="6" name="object 4"/>
+          <p:cNvSpPr/>
+          <p:nvPr/>
+        </p:nvSpPr>
+        <p:spPr>
+          <a:xfrm>
+            <a:off x="7199050" y="1691958"/>
+            <a:ext cx="4799241" cy="3968178"/>
           </a:xfrm>
           <a:prstGeom prst="rect">
             <a:avLst/>
           </a:prstGeom>
-          <a:noFill/>
-          <a:extLst>
-            <a:ext uri="{909E8E84-426E-40DD-AFC4-6F175D3DCCD1}">
-              <a14:hiddenFill xmlns:a14="http://schemas.microsoft.com/office/drawing/2010/main">
-                <a:solidFill>
-                  <a:srgbClr val="FFFFFF"/>
-                </a:solidFill>
-              </a14:hiddenFill>
-            </a:ext>
-          </a:extLst>
-        </p:spPr>
-      </p:pic>
+          <a:blipFill>
+            <a:blip r:embed="rId2" cstate="print"/>
+            <a:stretch>
+              <a:fillRect/>
+            </a:stretch>
+          </a:blipFill>
+        </p:spPr>
+        <p:txBody>
+          <a:bodyPr wrap="square" lIns="0" tIns="0" rIns="0" bIns="0" rtlCol="0"/>
+          <a:lstStyle/>
+          <a:p>
+            <a:endParaRPr sz="2400"/>
+          </a:p>
+        </p:txBody>
+      </p:sp>
     </p:spTree>
     <p:extLst>
       <p:ext uri="{BB962C8B-B14F-4D97-AF65-F5344CB8AC3E}">
-        <p14:creationId xmlns:p14="http://schemas.microsoft.com/office/powerpoint/2010/main" val="73484143"/>
+        <p14:creationId xmlns:p14="http://schemas.microsoft.com/office/powerpoint/2010/main" val="3540518626"/>
       </p:ext>
     </p:extLst>
   </p:cSld>
@@ -14366,96 +14307,10 @@
           <a:lstStyle/>
           <a:p>
             <a:r>
-              <a:rPr lang="en-US" dirty="0"/>
-              <a:t>Docker Compose</a:t>
-            </a:r>
-          </a:p>
-        </p:txBody>
-      </p:sp>
-      <p:sp>
-        <p:nvSpPr>
-          <p:cNvPr id="3" name="Content Placeholder 2"/>
-          <p:cNvSpPr>
-            <a:spLocks noGrp="1"/>
-          </p:cNvSpPr>
-          <p:nvPr>
-            <p:ph idx="1"/>
-          </p:nvPr>
-        </p:nvSpPr>
-        <p:spPr>
-          <a:xfrm>
-            <a:off x="347527" y="1406880"/>
-            <a:ext cx="8714178" cy="4746091"/>
-          </a:xfrm>
-        </p:spPr>
-        <p:txBody>
-          <a:bodyPr/>
-          <a:lstStyle/>
-          <a:p>
-            <a:pPr>
-              <a:lnSpc>
-                <a:spcPct val="150000"/>
-              </a:lnSpc>
-            </a:pPr>
-            <a:r>
               <a:rPr lang="en-US" dirty="0" smtClean="0"/>
-              <a:t>Features</a:t>
-            </a:r>
-          </a:p>
-          <a:p>
-            <a:pPr lvl="1">
-              <a:lnSpc>
-                <a:spcPct val="150000"/>
-              </a:lnSpc>
-            </a:pPr>
-            <a:r>
-              <a:rPr lang="en-US" dirty="0"/>
-              <a:t>Multiple isolated environments on a single host</a:t>
-            </a:r>
-          </a:p>
-          <a:p>
-            <a:pPr lvl="1">
-              <a:lnSpc>
-                <a:spcPct val="150000"/>
-              </a:lnSpc>
-            </a:pPr>
-            <a:r>
-              <a:rPr lang="en-US" dirty="0"/>
-              <a:t>Preserve volume data when containers are created</a:t>
-            </a:r>
-          </a:p>
-          <a:p>
-            <a:pPr lvl="1">
-              <a:lnSpc>
-                <a:spcPct val="150000"/>
-              </a:lnSpc>
-            </a:pPr>
-            <a:r>
-              <a:rPr lang="en-US" dirty="0"/>
-              <a:t>Only recreate containers that have changed</a:t>
-            </a:r>
-          </a:p>
-          <a:p>
-            <a:pPr lvl="1">
-              <a:lnSpc>
-                <a:spcPct val="150000"/>
-              </a:lnSpc>
-            </a:pPr>
-            <a:r>
-              <a:rPr lang="en-US" dirty="0"/>
-              <a:t>Variables and moving a composition between environments</a:t>
-            </a:r>
-          </a:p>
-          <a:p>
-            <a:pPr lvl="1">
-              <a:lnSpc>
-                <a:spcPct val="150000"/>
-              </a:lnSpc>
-            </a:pPr>
-            <a:r>
-              <a:rPr lang="en-US" dirty="0"/>
-              <a:t>Multiple compose files</a:t>
-            </a:r>
+              <a:t>Docker Images and Containers</a:t>
+            </a:r>
+            <a:endParaRPr lang="en-US" dirty="0"/>
           </a:p>
         </p:txBody>
       </p:sp>
@@ -14483,22 +14338,153 @@
           </a:p>
         </p:txBody>
       </p:sp>
+      <p:sp>
+        <p:nvSpPr>
+          <p:cNvPr id="5" name="Rectangle 4"/>
+          <p:cNvSpPr/>
+          <p:nvPr/>
+        </p:nvSpPr>
+        <p:spPr>
+          <a:xfrm>
+            <a:off x="457200" y="4252725"/>
+            <a:ext cx="5449824" cy="1179810"/>
+          </a:xfrm>
+          <a:prstGeom prst="rect">
+            <a:avLst/>
+          </a:prstGeom>
+        </p:spPr>
+        <p:txBody>
+          <a:bodyPr wrap="square">
+            <a:spAutoFit/>
+          </a:bodyPr>
+          <a:lstStyle/>
+          <a:p>
+            <a:pPr marL="228600" indent="-228600">
+              <a:lnSpc>
+                <a:spcPct val="90000"/>
+              </a:lnSpc>
+              <a:spcBef>
+                <a:spcPts val="1000"/>
+              </a:spcBef>
+              <a:buFont typeface="Arial" panose="020B0604020202020204" pitchFamily="34" charset="0"/>
+              <a:buChar char="•"/>
+            </a:pPr>
+            <a:r>
+              <a:rPr lang="en-US" sz="2000" dirty="0" smtClean="0">
+                <a:latin typeface="Candara" panose="020E0502030303020204" pitchFamily="34" charset="0"/>
+              </a:rPr>
+              <a:t>Read Only Template used to create Containers</a:t>
+            </a:r>
+          </a:p>
+          <a:p>
+            <a:pPr marL="228600" indent="-228600">
+              <a:lnSpc>
+                <a:spcPct val="90000"/>
+              </a:lnSpc>
+              <a:spcBef>
+                <a:spcPts val="1000"/>
+              </a:spcBef>
+              <a:buFont typeface="Arial" panose="020B0604020202020204" pitchFamily="34" charset="0"/>
+              <a:buChar char="•"/>
+            </a:pPr>
+            <a:r>
+              <a:rPr lang="en-US" sz="2000" dirty="0" smtClean="0">
+                <a:latin typeface="Candara" panose="020E0502030303020204" pitchFamily="34" charset="0"/>
+              </a:rPr>
+              <a:t>Built by Docker Users</a:t>
+            </a:r>
+          </a:p>
+          <a:p>
+            <a:pPr marL="228600" indent="-228600">
+              <a:lnSpc>
+                <a:spcPct val="90000"/>
+              </a:lnSpc>
+              <a:spcBef>
+                <a:spcPts val="1000"/>
+              </a:spcBef>
+              <a:buFont typeface="Arial" panose="020B0604020202020204" pitchFamily="34" charset="0"/>
+              <a:buChar char="•"/>
+            </a:pPr>
+            <a:r>
+              <a:rPr lang="en-US" sz="2000" dirty="0" smtClean="0">
+                <a:latin typeface="Candara" panose="020E0502030303020204" pitchFamily="34" charset="0"/>
+              </a:rPr>
+              <a:t>Stored in a Docker Hub or your local Registry</a:t>
+            </a:r>
+            <a:endParaRPr lang="en-US" sz="2000" dirty="0">
+              <a:latin typeface="Candara" panose="020E0502030303020204" pitchFamily="34" charset="0"/>
+            </a:endParaRPr>
+          </a:p>
+        </p:txBody>
+      </p:sp>
       <p:pic>
         <p:nvPicPr>
-          <p:cNvPr id="5" name="Picture 2" descr="Drupal Development with Docker Compose | Chapter Three">
-            <a:extLst>
-              <a:ext uri="{FF2B5EF4-FFF2-40B4-BE49-F238E27FC236}">
-                <a16:creationId xmlns:a16="http://schemas.microsoft.com/office/drawing/2014/main" id="{69FAA775-D804-483C-A48F-212BE2B8A719}"/>
-              </a:ext>
-            </a:extLst>
-          </p:cNvPr>
+          <p:cNvPr id="6" name="Picture 5"/>
+          <p:cNvPicPr>
+            <a:picLocks noChangeAspect="1"/>
+          </p:cNvPicPr>
+          <p:nvPr/>
+        </p:nvPicPr>
+        <p:blipFill rotWithShape="1">
+          <a:blip r:embed="rId2"/>
+          <a:srcRect l="18677" t="31696" r="73385" b="53642"/>
+          <a:stretch/>
+        </p:blipFill>
+        <p:spPr>
+          <a:xfrm>
+            <a:off x="1731822" y="2247054"/>
+            <a:ext cx="1249122" cy="1297788"/>
+          </a:xfrm>
+          <a:prstGeom prst="rect">
+            <a:avLst/>
+          </a:prstGeom>
+        </p:spPr>
+      </p:pic>
+      <p:sp>
+        <p:nvSpPr>
+          <p:cNvPr id="7" name="TextBox 6"/>
+          <p:cNvSpPr txBox="1"/>
+          <p:nvPr/>
+        </p:nvSpPr>
+        <p:spPr>
+          <a:xfrm>
+            <a:off x="1405407" y="3544842"/>
+            <a:ext cx="1901952" cy="374904"/>
+          </a:xfrm>
+          <a:prstGeom prst="rect">
+            <a:avLst/>
+          </a:prstGeom>
+          <a:noFill/>
+        </p:spPr>
+        <p:txBody>
+          <a:bodyPr wrap="square" rtlCol="0">
+            <a:spAutoFit/>
+          </a:bodyPr>
+          <a:lstStyle/>
+          <a:p>
+            <a:pPr algn="ctr"/>
+            <a:r>
+              <a:rPr lang="en-US" b="1" dirty="0" smtClean="0">
+                <a:latin typeface="Candara" panose="020E0502030303020204" pitchFamily="34" charset="0"/>
+              </a:rPr>
+              <a:t>Docker Image</a:t>
+            </a:r>
+            <a:endParaRPr lang="en-US" b="1" dirty="0">
+              <a:latin typeface="Candara" panose="020E0502030303020204" pitchFamily="34" charset="0"/>
+            </a:endParaRPr>
+          </a:p>
+        </p:txBody>
+      </p:sp>
+      <p:pic>
+        <p:nvPicPr>
+          <p:cNvPr id="8194" name="Picture 2" descr="Docker Container Icon #346704 - Free Icons Library"/>
           <p:cNvPicPr>
             <a:picLocks noChangeAspect="1" noChangeArrowheads="1"/>
           </p:cNvPicPr>
           <p:nvPr/>
         </p:nvPicPr>
         <p:blipFill>
-          <a:blip r:embed="rId2" cstate="print">
+          <a:blip r:embed="rId3">
             <a:extLst>
               <a:ext uri="{28A0092B-C50C-407E-A947-70E740481C1C}">
                 <a14:useLocalDpi xmlns:a14="http://schemas.microsoft.com/office/drawing/2010/main" val="0"/>
@@ -14512,8 +14498,8 @@
         </p:blipFill>
         <p:spPr bwMode="auto">
           <a:xfrm>
-            <a:off x="8973946" y="1415507"/>
-            <a:ext cx="2763699" cy="4869160"/>
+            <a:off x="7007108" y="1413763"/>
+            <a:ext cx="3810244" cy="2964370"/>
           </a:xfrm>
           <a:prstGeom prst="rect">
             <a:avLst/>
@@ -14530,10 +14516,200 @@
           </a:extLst>
         </p:spPr>
       </p:pic>
+      <p:sp>
+        <p:nvSpPr>
+          <p:cNvPr id="9" name="Rectangle 8"/>
+          <p:cNvSpPr/>
+          <p:nvPr/>
+        </p:nvSpPr>
+        <p:spPr>
+          <a:xfrm>
+            <a:off x="7007107" y="4252725"/>
+            <a:ext cx="4730537" cy="1456809"/>
+          </a:xfrm>
+          <a:prstGeom prst="rect">
+            <a:avLst/>
+          </a:prstGeom>
+        </p:spPr>
+        <p:txBody>
+          <a:bodyPr wrap="square">
+            <a:spAutoFit/>
+          </a:bodyPr>
+          <a:lstStyle/>
+          <a:p>
+            <a:pPr marL="228600" indent="-228600">
+              <a:lnSpc>
+                <a:spcPct val="90000"/>
+              </a:lnSpc>
+              <a:spcBef>
+                <a:spcPts val="1000"/>
+              </a:spcBef>
+              <a:buFont typeface="Arial" panose="020B0604020202020204" pitchFamily="34" charset="0"/>
+              <a:buChar char="•"/>
+            </a:pPr>
+            <a:r>
+              <a:rPr lang="en-US" sz="2000" dirty="0" smtClean="0">
+                <a:latin typeface="Candara" panose="020E0502030303020204" pitchFamily="34" charset="0"/>
+              </a:rPr>
+              <a:t>Isolated Application Platform</a:t>
+            </a:r>
+          </a:p>
+          <a:p>
+            <a:pPr marL="228600" indent="-228600">
+              <a:lnSpc>
+                <a:spcPct val="90000"/>
+              </a:lnSpc>
+              <a:spcBef>
+                <a:spcPts val="1000"/>
+              </a:spcBef>
+              <a:buFont typeface="Arial" panose="020B0604020202020204" pitchFamily="34" charset="0"/>
+              <a:buChar char="•"/>
+            </a:pPr>
+            <a:r>
+              <a:rPr lang="en-US" sz="2000" dirty="0" smtClean="0">
+                <a:latin typeface="Candara" panose="020E0502030303020204" pitchFamily="34" charset="0"/>
+              </a:rPr>
+              <a:t>Contains everything needed to run the application</a:t>
+            </a:r>
+          </a:p>
+          <a:p>
+            <a:pPr marL="228600" indent="-228600">
+              <a:lnSpc>
+                <a:spcPct val="90000"/>
+              </a:lnSpc>
+              <a:spcBef>
+                <a:spcPts val="1000"/>
+              </a:spcBef>
+              <a:buFont typeface="Arial" panose="020B0604020202020204" pitchFamily="34" charset="0"/>
+              <a:buChar char="•"/>
+            </a:pPr>
+            <a:r>
+              <a:rPr lang="en-US" sz="2000" dirty="0" smtClean="0">
+                <a:latin typeface="Candara" panose="020E0502030303020204" pitchFamily="34" charset="0"/>
+              </a:rPr>
+              <a:t>Built from one or more images</a:t>
+            </a:r>
+            <a:endParaRPr lang="en-US" sz="2000" dirty="0">
+              <a:latin typeface="Candara" panose="020E0502030303020204" pitchFamily="34" charset="0"/>
+            </a:endParaRPr>
+          </a:p>
+        </p:txBody>
+      </p:sp>
+      <p:cxnSp>
+        <p:nvCxnSpPr>
+          <p:cNvPr id="10" name="Straight Arrow Connector 9"/>
+          <p:cNvCxnSpPr/>
+          <p:nvPr/>
+        </p:nvCxnSpPr>
+        <p:spPr>
+          <a:xfrm>
+            <a:off x="3419856" y="2895948"/>
+            <a:ext cx="3712464" cy="0"/>
+          </a:xfrm>
+          <a:prstGeom prst="straightConnector1">
+            <a:avLst/>
+          </a:prstGeom>
+          <a:ln w="38100">
+            <a:tailEnd type="triangle"/>
+          </a:ln>
+          <a:effectLst>
+            <a:glow rad="228600">
+              <a:schemeClr val="accent4">
+                <a:satMod val="175000"/>
+                <a:alpha val="40000"/>
+              </a:schemeClr>
+            </a:glow>
+          </a:effectLst>
+        </p:spPr>
+        <p:style>
+          <a:lnRef idx="1">
+            <a:schemeClr val="accent1"/>
+          </a:lnRef>
+          <a:fillRef idx="0">
+            <a:schemeClr val="accent1"/>
+          </a:fillRef>
+          <a:effectRef idx="0">
+            <a:schemeClr val="accent1"/>
+          </a:effectRef>
+          <a:fontRef idx="minor">
+            <a:schemeClr val="tx1"/>
+          </a:fontRef>
+        </p:style>
+      </p:cxnSp>
+      <p:sp>
+        <p:nvSpPr>
+          <p:cNvPr id="13" name="TextBox 12"/>
+          <p:cNvSpPr txBox="1"/>
+          <p:nvPr/>
+        </p:nvSpPr>
+        <p:spPr>
+          <a:xfrm>
+            <a:off x="4148287" y="2502033"/>
+            <a:ext cx="1901952" cy="374904"/>
+          </a:xfrm>
+          <a:prstGeom prst="rect">
+            <a:avLst/>
+          </a:prstGeom>
+          <a:noFill/>
+        </p:spPr>
+        <p:txBody>
+          <a:bodyPr wrap="square" rtlCol="0">
+            <a:spAutoFit/>
+          </a:bodyPr>
+          <a:lstStyle/>
+          <a:p>
+            <a:pPr algn="ctr"/>
+            <a:r>
+              <a:rPr lang="en-US" b="1" dirty="0" smtClean="0">
+                <a:latin typeface="Candara" panose="020E0502030303020204" pitchFamily="34" charset="0"/>
+              </a:rPr>
+              <a:t>run</a:t>
+            </a:r>
+            <a:endParaRPr lang="en-US" b="1" dirty="0">
+              <a:latin typeface="Candara" panose="020E0502030303020204" pitchFamily="34" charset="0"/>
+            </a:endParaRPr>
+          </a:p>
+        </p:txBody>
+      </p:sp>
+      <p:sp>
+        <p:nvSpPr>
+          <p:cNvPr id="14" name="TextBox 13"/>
+          <p:cNvSpPr txBox="1"/>
+          <p:nvPr/>
+        </p:nvSpPr>
+        <p:spPr>
+          <a:xfrm>
+            <a:off x="8061757" y="3671358"/>
+            <a:ext cx="1901952" cy="374904"/>
+          </a:xfrm>
+          <a:prstGeom prst="rect">
+            <a:avLst/>
+          </a:prstGeom>
+          <a:noFill/>
+        </p:spPr>
+        <p:txBody>
+          <a:bodyPr wrap="square" rtlCol="0">
+            <a:spAutoFit/>
+          </a:bodyPr>
+          <a:lstStyle/>
+          <a:p>
+            <a:pPr algn="ctr"/>
+            <a:r>
+              <a:rPr lang="en-US" b="1" dirty="0" smtClean="0">
+                <a:latin typeface="Candara" panose="020E0502030303020204" pitchFamily="34" charset="0"/>
+              </a:rPr>
+              <a:t>Docker Container</a:t>
+            </a:r>
+            <a:endParaRPr lang="en-US" b="1" dirty="0">
+              <a:latin typeface="Candara" panose="020E0502030303020204" pitchFamily="34" charset="0"/>
+            </a:endParaRPr>
+          </a:p>
+        </p:txBody>
+      </p:sp>
     </p:spTree>
     <p:extLst>
       <p:ext uri="{BB962C8B-B14F-4D97-AF65-F5344CB8AC3E}">
-        <p14:creationId xmlns:p14="http://schemas.microsoft.com/office/powerpoint/2010/main" val="2828040305"/>
+        <p14:creationId xmlns:p14="http://schemas.microsoft.com/office/powerpoint/2010/main" val="3094099374"/>
       </p:ext>
     </p:extLst>
   </p:cSld>
@@ -14576,8 +14752,66 @@
           <a:lstStyle/>
           <a:p>
             <a:r>
+              <a:rPr lang="en-US" dirty="0"/>
+              <a:t>Docker Compose</a:t>
+            </a:r>
+          </a:p>
+        </p:txBody>
+      </p:sp>
+      <p:sp>
+        <p:nvSpPr>
+          <p:cNvPr id="3" name="Content Placeholder 2"/>
+          <p:cNvSpPr>
+            <a:spLocks noGrp="1"/>
+          </p:cNvSpPr>
+          <p:nvPr>
+            <p:ph idx="1"/>
+          </p:nvPr>
+        </p:nvSpPr>
+        <p:spPr>
+          <a:xfrm>
+            <a:off x="347527" y="1406880"/>
+            <a:ext cx="8714178" cy="4746091"/>
+          </a:xfrm>
+        </p:spPr>
+        <p:txBody>
+          <a:bodyPr/>
+          <a:lstStyle/>
+          <a:p>
+            <a:pPr>
+              <a:lnSpc>
+                <a:spcPct val="200000"/>
+              </a:lnSpc>
+            </a:pPr>
+            <a:r>
+              <a:rPr lang="en-US" dirty="0"/>
+              <a:t>Docker Compose is a tool for defining and running complex applications with Docker.</a:t>
+            </a:r>
+          </a:p>
+          <a:p>
+            <a:pPr>
+              <a:lnSpc>
+                <a:spcPct val="200000"/>
+              </a:lnSpc>
+            </a:pPr>
+            <a:r>
+              <a:rPr lang="it-IT" dirty="0"/>
+              <a:t>Define a multi-container application in a single file</a:t>
+            </a:r>
+          </a:p>
+          <a:p>
+            <a:pPr>
+              <a:lnSpc>
+                <a:spcPct val="200000"/>
+              </a:lnSpc>
+            </a:pPr>
+            <a:r>
+              <a:rPr lang="en-US" dirty="0"/>
+              <a:t>Spin your application up in a single </a:t>
+            </a:r>
+            <a:r>
               <a:rPr lang="en-US" dirty="0" smtClean="0"/>
-              <a:t>Docker Compose</a:t>
+              <a:t>command</a:t>
             </a:r>
             <a:endParaRPr lang="en-US" dirty="0"/>
           </a:p>
@@ -14609,13 +14843,19 @@
       </p:sp>
       <p:pic>
         <p:nvPicPr>
-          <p:cNvPr id="9218" name="Picture 2" descr="Updating a Container with Docker Compose"/>
+          <p:cNvPr id="5" name="Picture 2" descr="Drupal Development with Docker Compose | Chapter Three">
+            <a:extLst>
+              <a:ext uri="{FF2B5EF4-FFF2-40B4-BE49-F238E27FC236}">
+                <a16:creationId xmlns:a16="http://schemas.microsoft.com/office/drawing/2014/main" id="{69FAA775-D804-483C-A48F-212BE2B8A719}"/>
+              </a:ext>
+            </a:extLst>
+          </p:cNvPr>
           <p:cNvPicPr>
             <a:picLocks noChangeAspect="1" noChangeArrowheads="1"/>
           </p:cNvPicPr>
           <p:nvPr/>
         </p:nvPicPr>
-        <p:blipFill rotWithShape="1">
+        <p:blipFill>
           <a:blip r:embed="rId2" cstate="print">
             <a:extLst>
               <a:ext uri="{28A0092B-C50C-407E-A947-70E740481C1C}">
@@ -14623,13 +14863,15 @@
               </a:ext>
             </a:extLst>
           </a:blip>
-          <a:srcRect l="9223" t="11775" r="63027" b="11855"/>
-          <a:stretch/>
+          <a:srcRect/>
+          <a:stretch>
+            <a:fillRect/>
+          </a:stretch>
         </p:blipFill>
         <p:spPr bwMode="auto">
           <a:xfrm>
-            <a:off x="563815" y="1406880"/>
-            <a:ext cx="1301561" cy="1720368"/>
+            <a:off x="8973946" y="1415507"/>
+            <a:ext cx="2763699" cy="4869160"/>
           </a:xfrm>
           <a:prstGeom prst="rect">
             <a:avLst/>
@@ -14646,586 +14888,10 @@
           </a:extLst>
         </p:spPr>
       </p:pic>
-      <p:sp>
-        <p:nvSpPr>
-          <p:cNvPr id="6" name="Round Diagonal Corner Rectangle 5"/>
-          <p:cNvSpPr/>
-          <p:nvPr/>
-        </p:nvSpPr>
-        <p:spPr>
-          <a:xfrm>
-            <a:off x="2276911" y="1457506"/>
-            <a:ext cx="8458145" cy="1669742"/>
-          </a:xfrm>
-          <a:prstGeom prst="round2DiagRect">
-            <a:avLst/>
-          </a:prstGeom>
-          <a:noFill/>
-          <a:ln w="19050" cap="flat" cmpd="sng" algn="ctr">
-            <a:solidFill>
-              <a:schemeClr val="accent1"/>
-            </a:solidFill>
-            <a:prstDash val="solid"/>
-            <a:round/>
-            <a:headEnd type="none" w="med" len="med"/>
-            <a:tailEnd type="none" w="med" len="med"/>
-          </a:ln>
-        </p:spPr>
-        <p:style>
-          <a:lnRef idx="0">
-            <a:scrgbClr r="0" g="0" b="0"/>
-          </a:lnRef>
-          <a:fillRef idx="0">
-            <a:scrgbClr r="0" g="0" b="0"/>
-          </a:fillRef>
-          <a:effectRef idx="0">
-            <a:scrgbClr r="0" g="0" b="0"/>
-          </a:effectRef>
-          <a:fontRef idx="minor">
-            <a:schemeClr val="accent1"/>
-          </a:fontRef>
-        </p:style>
-        <p:txBody>
-          <a:bodyPr rtlCol="0" anchor="ctr"/>
-          <a:lstStyle/>
-          <a:p>
-            <a:pPr algn="just"/>
-            <a:r>
-              <a:rPr lang="en-US" sz="2000" dirty="0" smtClean="0">
-                <a:solidFill>
-                  <a:schemeClr val="tx1"/>
-                </a:solidFill>
-                <a:latin typeface="Candara" panose="020E0502030303020204" pitchFamily="34" charset="0"/>
-              </a:rPr>
-              <a:t>Docker Compose make it easier to configure and run applications made up of multiple containers. For example, imagine being able to define three containers-one running a web app, another running </a:t>
-            </a:r>
-            <a:r>
-              <a:rPr lang="en-US" sz="2000" dirty="0" err="1" smtClean="0">
-                <a:solidFill>
-                  <a:schemeClr val="tx1"/>
-                </a:solidFill>
-                <a:latin typeface="Candara" panose="020E0502030303020204" pitchFamily="34" charset="0"/>
-              </a:rPr>
-              <a:t>postgres</a:t>
-            </a:r>
-            <a:r>
-              <a:rPr lang="en-US" sz="2000" dirty="0" smtClean="0">
-                <a:solidFill>
-                  <a:schemeClr val="tx1"/>
-                </a:solidFill>
-                <a:latin typeface="Candara" panose="020E0502030303020204" pitchFamily="34" charset="0"/>
-              </a:rPr>
-              <a:t>, and a third running </a:t>
-            </a:r>
-            <a:r>
-              <a:rPr lang="en-US" sz="2000" dirty="0" err="1" smtClean="0">
-                <a:solidFill>
-                  <a:schemeClr val="tx1"/>
-                </a:solidFill>
-                <a:latin typeface="Candara" panose="020E0502030303020204" pitchFamily="34" charset="0"/>
-              </a:rPr>
-              <a:t>redis</a:t>
-            </a:r>
-            <a:r>
-              <a:rPr lang="en-US" sz="2000" dirty="0" smtClean="0">
-                <a:solidFill>
-                  <a:schemeClr val="tx1"/>
-                </a:solidFill>
-                <a:latin typeface="Candara" panose="020E0502030303020204" pitchFamily="34" charset="0"/>
-              </a:rPr>
-              <a:t>-all in one YML file and then running those three connected containers in a single command</a:t>
-            </a:r>
-            <a:endParaRPr lang="en-US" sz="2000" dirty="0">
-              <a:solidFill>
-                <a:schemeClr val="tx1"/>
-              </a:solidFill>
-              <a:latin typeface="Candara" panose="020E0502030303020204" pitchFamily="34" charset="0"/>
-            </a:endParaRPr>
-          </a:p>
-        </p:txBody>
-      </p:sp>
-      <p:sp>
-        <p:nvSpPr>
-          <p:cNvPr id="7" name="Rectangle 6"/>
-          <p:cNvSpPr/>
-          <p:nvPr/>
-        </p:nvSpPr>
-        <p:spPr>
-          <a:xfrm>
-            <a:off x="2898703" y="3767328"/>
-            <a:ext cx="1133856" cy="548641"/>
-          </a:xfrm>
-          <a:prstGeom prst="rect">
-            <a:avLst/>
-          </a:prstGeom>
-          <a:solidFill>
-            <a:schemeClr val="accent1"/>
-          </a:solidFill>
-          <a:ln>
-            <a:noFill/>
-          </a:ln>
-        </p:spPr>
-        <p:style>
-          <a:lnRef idx="0">
-            <a:scrgbClr r="0" g="0" b="0"/>
-          </a:lnRef>
-          <a:fillRef idx="0">
-            <a:scrgbClr r="0" g="0" b="0"/>
-          </a:fillRef>
-          <a:effectRef idx="0">
-            <a:scrgbClr r="0" g="0" b="0"/>
-          </a:effectRef>
-          <a:fontRef idx="minor">
-            <a:schemeClr val="lt1"/>
-          </a:fontRef>
-        </p:style>
-        <p:txBody>
-          <a:bodyPr rtlCol="0" anchor="ctr"/>
-          <a:lstStyle/>
-          <a:p>
-            <a:pPr algn="ctr"/>
-            <a:r>
-              <a:rPr lang="en-US" dirty="0" smtClean="0">
-                <a:latin typeface="Candara" panose="020E0502030303020204" pitchFamily="34" charset="0"/>
-              </a:rPr>
-              <a:t>Web App</a:t>
-            </a:r>
-            <a:endParaRPr lang="en-US" dirty="0">
-              <a:latin typeface="Candara" panose="020E0502030303020204" pitchFamily="34" charset="0"/>
-            </a:endParaRPr>
-          </a:p>
-        </p:txBody>
-      </p:sp>
-      <p:sp>
-        <p:nvSpPr>
-          <p:cNvPr id="8" name="Rectangle 7"/>
-          <p:cNvSpPr/>
-          <p:nvPr/>
-        </p:nvSpPr>
-        <p:spPr>
-          <a:xfrm>
-            <a:off x="2898703" y="4622913"/>
-            <a:ext cx="1133856" cy="548641"/>
-          </a:xfrm>
-          <a:prstGeom prst="rect">
-            <a:avLst/>
-          </a:prstGeom>
-          <a:solidFill>
-            <a:schemeClr val="accent1"/>
-          </a:solidFill>
-          <a:ln>
-            <a:noFill/>
-          </a:ln>
-        </p:spPr>
-        <p:style>
-          <a:lnRef idx="0">
-            <a:scrgbClr r="0" g="0" b="0"/>
-          </a:lnRef>
-          <a:fillRef idx="0">
-            <a:scrgbClr r="0" g="0" b="0"/>
-          </a:fillRef>
-          <a:effectRef idx="0">
-            <a:scrgbClr r="0" g="0" b="0"/>
-          </a:effectRef>
-          <a:fontRef idx="minor">
-            <a:schemeClr val="lt1"/>
-          </a:fontRef>
-        </p:style>
-        <p:txBody>
-          <a:bodyPr rtlCol="0" anchor="ctr"/>
-          <a:lstStyle/>
-          <a:p>
-            <a:pPr algn="ctr"/>
-            <a:r>
-              <a:rPr lang="en-US" dirty="0" err="1" smtClean="0">
-                <a:latin typeface="Candara" panose="020E0502030303020204" pitchFamily="34" charset="0"/>
-              </a:rPr>
-              <a:t>Postgres</a:t>
-            </a:r>
-            <a:endParaRPr lang="en-US" dirty="0">
-              <a:latin typeface="Candara" panose="020E0502030303020204" pitchFamily="34" charset="0"/>
-            </a:endParaRPr>
-          </a:p>
-        </p:txBody>
-      </p:sp>
-      <p:sp>
-        <p:nvSpPr>
-          <p:cNvPr id="9" name="Rectangle 8"/>
-          <p:cNvSpPr/>
-          <p:nvPr/>
-        </p:nvSpPr>
-        <p:spPr>
-          <a:xfrm>
-            <a:off x="2898703" y="5478498"/>
-            <a:ext cx="1133856" cy="548641"/>
-          </a:xfrm>
-          <a:prstGeom prst="rect">
-            <a:avLst/>
-          </a:prstGeom>
-          <a:solidFill>
-            <a:schemeClr val="accent1"/>
-          </a:solidFill>
-          <a:ln>
-            <a:noFill/>
-          </a:ln>
-        </p:spPr>
-        <p:style>
-          <a:lnRef idx="0">
-            <a:scrgbClr r="0" g="0" b="0"/>
-          </a:lnRef>
-          <a:fillRef idx="0">
-            <a:scrgbClr r="0" g="0" b="0"/>
-          </a:fillRef>
-          <a:effectRef idx="0">
-            <a:scrgbClr r="0" g="0" b="0"/>
-          </a:effectRef>
-          <a:fontRef idx="minor">
-            <a:schemeClr val="lt1"/>
-          </a:fontRef>
-        </p:style>
-        <p:txBody>
-          <a:bodyPr rtlCol="0" anchor="ctr"/>
-          <a:lstStyle/>
-          <a:p>
-            <a:pPr algn="ctr"/>
-            <a:r>
-              <a:rPr lang="en-US" dirty="0" err="1" smtClean="0">
-                <a:latin typeface="Candara" panose="020E0502030303020204" pitchFamily="34" charset="0"/>
-              </a:rPr>
-              <a:t>Redis</a:t>
-            </a:r>
-            <a:endParaRPr lang="en-US" dirty="0">
-              <a:latin typeface="Candara" panose="020E0502030303020204" pitchFamily="34" charset="0"/>
-            </a:endParaRPr>
-          </a:p>
-        </p:txBody>
-      </p:sp>
-      <p:sp>
-        <p:nvSpPr>
-          <p:cNvPr id="5" name="Left Brace 4"/>
-          <p:cNvSpPr/>
-          <p:nvPr/>
-        </p:nvSpPr>
-        <p:spPr>
-          <a:xfrm>
-            <a:off x="2304288" y="3959351"/>
-            <a:ext cx="329184" cy="1939771"/>
-          </a:xfrm>
-          <a:prstGeom prst="leftBrace">
-            <a:avLst/>
-          </a:prstGeom>
-          <a:ln w="28575"/>
-        </p:spPr>
-        <p:style>
-          <a:lnRef idx="1">
-            <a:schemeClr val="accent1"/>
-          </a:lnRef>
-          <a:fillRef idx="0">
-            <a:schemeClr val="accent1"/>
-          </a:fillRef>
-          <a:effectRef idx="0">
-            <a:schemeClr val="accent1"/>
-          </a:effectRef>
-          <a:fontRef idx="minor">
-            <a:schemeClr val="tx1"/>
-          </a:fontRef>
-        </p:style>
-        <p:txBody>
-          <a:bodyPr rtlCol="0" anchor="ctr"/>
-          <a:lstStyle/>
-          <a:p>
-            <a:pPr algn="ctr"/>
-            <a:endParaRPr lang="en-US"/>
-          </a:p>
-        </p:txBody>
-      </p:sp>
-      <p:sp>
-        <p:nvSpPr>
-          <p:cNvPr id="10" name="TextBox 9"/>
-          <p:cNvSpPr txBox="1"/>
-          <p:nvPr/>
-        </p:nvSpPr>
-        <p:spPr>
-          <a:xfrm>
-            <a:off x="996751" y="4734806"/>
-            <a:ext cx="1252728" cy="369332"/>
-          </a:xfrm>
-          <a:prstGeom prst="rect">
-            <a:avLst/>
-          </a:prstGeom>
-          <a:noFill/>
-        </p:spPr>
-        <p:txBody>
-          <a:bodyPr wrap="square" rtlCol="0">
-            <a:spAutoFit/>
-          </a:bodyPr>
-          <a:lstStyle/>
-          <a:p>
-            <a:r>
-              <a:rPr lang="en-US" b="1" dirty="0" smtClean="0">
-                <a:latin typeface="Candara" panose="020E0502030303020204" pitchFamily="34" charset="0"/>
-              </a:rPr>
-              <a:t>Containers</a:t>
-            </a:r>
-            <a:endParaRPr lang="en-US" b="1" dirty="0">
-              <a:latin typeface="Candara" panose="020E0502030303020204" pitchFamily="34" charset="0"/>
-            </a:endParaRPr>
-          </a:p>
-        </p:txBody>
-      </p:sp>
-      <p:sp>
-        <p:nvSpPr>
-          <p:cNvPr id="11" name="Rectangle 10"/>
-          <p:cNvSpPr/>
-          <p:nvPr/>
-        </p:nvSpPr>
-        <p:spPr>
-          <a:xfrm>
-            <a:off x="2734056" y="3593592"/>
-            <a:ext cx="1490472" cy="2633472"/>
-          </a:xfrm>
-          <a:prstGeom prst="rect">
-            <a:avLst/>
-          </a:prstGeom>
-          <a:noFill/>
-          <a:ln w="28575">
-            <a:prstDash val="dash"/>
-          </a:ln>
-        </p:spPr>
-        <p:style>
-          <a:lnRef idx="2">
-            <a:schemeClr val="accent1">
-              <a:shade val="50000"/>
-            </a:schemeClr>
-          </a:lnRef>
-          <a:fillRef idx="1">
-            <a:schemeClr val="accent1"/>
-          </a:fillRef>
-          <a:effectRef idx="0">
-            <a:schemeClr val="accent1"/>
-          </a:effectRef>
-          <a:fontRef idx="minor">
-            <a:schemeClr val="lt1"/>
-          </a:fontRef>
-        </p:style>
-        <p:txBody>
-          <a:bodyPr rtlCol="0" anchor="ctr"/>
-          <a:lstStyle/>
-          <a:p>
-            <a:pPr algn="ctr"/>
-            <a:endParaRPr lang="en-US"/>
-          </a:p>
-        </p:txBody>
-      </p:sp>
-      <p:sp>
-        <p:nvSpPr>
-          <p:cNvPr id="13" name="Cube 12"/>
-          <p:cNvSpPr/>
-          <p:nvPr/>
-        </p:nvSpPr>
-        <p:spPr>
-          <a:xfrm>
-            <a:off x="4882896" y="4315968"/>
-            <a:ext cx="1444752" cy="1088135"/>
-          </a:xfrm>
-          <a:prstGeom prst="cube">
-            <a:avLst/>
-          </a:prstGeom>
-        </p:spPr>
-        <p:style>
-          <a:lnRef idx="2">
-            <a:schemeClr val="accent3">
-              <a:shade val="50000"/>
-            </a:schemeClr>
-          </a:lnRef>
-          <a:fillRef idx="1">
-            <a:schemeClr val="accent3"/>
-          </a:fillRef>
-          <a:effectRef idx="0">
-            <a:schemeClr val="accent3"/>
-          </a:effectRef>
-          <a:fontRef idx="minor">
-            <a:schemeClr val="lt1"/>
-          </a:fontRef>
-        </p:style>
-        <p:txBody>
-          <a:bodyPr rtlCol="0" anchor="ctr"/>
-          <a:lstStyle/>
-          <a:p>
-            <a:pPr algn="ctr"/>
-            <a:r>
-              <a:rPr lang="en-US" sz="1700" dirty="0" smtClean="0">
-                <a:solidFill>
-                  <a:schemeClr val="tx1"/>
-                </a:solidFill>
-                <a:latin typeface="Candara" panose="020E0502030303020204" pitchFamily="34" charset="0"/>
-              </a:rPr>
-              <a:t>Docker </a:t>
-            </a:r>
-            <a:r>
-              <a:rPr lang="en-US" sz="1700" dirty="0" smtClean="0">
-                <a:solidFill>
-                  <a:schemeClr val="tx1"/>
-                </a:solidFill>
-                <a:latin typeface="Candara" panose="020E0502030303020204" pitchFamily="34" charset="0"/>
-              </a:rPr>
-              <a:t>Compose File</a:t>
-            </a:r>
-            <a:endParaRPr lang="en-US" sz="1700" dirty="0">
-              <a:solidFill>
-                <a:schemeClr val="tx1"/>
-              </a:solidFill>
-              <a:latin typeface="Candara" panose="020E0502030303020204" pitchFamily="34" charset="0"/>
-            </a:endParaRPr>
-          </a:p>
-        </p:txBody>
-      </p:sp>
-      <p:cxnSp>
-        <p:nvCxnSpPr>
-          <p:cNvPr id="14" name="Straight Arrow Connector 13"/>
-          <p:cNvCxnSpPr>
-            <a:stCxn id="7" idx="3"/>
-            <a:endCxn id="13" idx="2"/>
-          </p:cNvCxnSpPr>
-          <p:nvPr/>
-        </p:nvCxnSpPr>
-        <p:spPr>
-          <a:xfrm>
-            <a:off x="4032559" y="4041649"/>
-            <a:ext cx="850337" cy="954403"/>
-          </a:xfrm>
-          <a:prstGeom prst="straightConnector1">
-            <a:avLst/>
-          </a:prstGeom>
-          <a:ln w="19050">
-            <a:tailEnd type="triangle"/>
-          </a:ln>
-        </p:spPr>
-        <p:style>
-          <a:lnRef idx="1">
-            <a:schemeClr val="accent1"/>
-          </a:lnRef>
-          <a:fillRef idx="0">
-            <a:schemeClr val="accent1"/>
-          </a:fillRef>
-          <a:effectRef idx="0">
-            <a:schemeClr val="accent1"/>
-          </a:effectRef>
-          <a:fontRef idx="minor">
-            <a:schemeClr val="tx1"/>
-          </a:fontRef>
-        </p:style>
-      </p:cxnSp>
-      <p:cxnSp>
-        <p:nvCxnSpPr>
-          <p:cNvPr id="17" name="Straight Arrow Connector 16"/>
-          <p:cNvCxnSpPr>
-            <a:stCxn id="8" idx="3"/>
-            <a:endCxn id="13" idx="2"/>
-          </p:cNvCxnSpPr>
-          <p:nvPr/>
-        </p:nvCxnSpPr>
-        <p:spPr>
-          <a:xfrm>
-            <a:off x="4032559" y="4897234"/>
-            <a:ext cx="850337" cy="98818"/>
-          </a:xfrm>
-          <a:prstGeom prst="straightConnector1">
-            <a:avLst/>
-          </a:prstGeom>
-          <a:ln w="19050">
-            <a:tailEnd type="triangle"/>
-          </a:ln>
-        </p:spPr>
-        <p:style>
-          <a:lnRef idx="1">
-            <a:schemeClr val="accent1"/>
-          </a:lnRef>
-          <a:fillRef idx="0">
-            <a:schemeClr val="accent1"/>
-          </a:fillRef>
-          <a:effectRef idx="0">
-            <a:schemeClr val="accent1"/>
-          </a:effectRef>
-          <a:fontRef idx="minor">
-            <a:schemeClr val="tx1"/>
-          </a:fontRef>
-        </p:style>
-      </p:cxnSp>
-      <p:cxnSp>
-        <p:nvCxnSpPr>
-          <p:cNvPr id="20" name="Straight Arrow Connector 19"/>
-          <p:cNvCxnSpPr>
-            <a:stCxn id="9" idx="3"/>
-            <a:endCxn id="13" idx="2"/>
-          </p:cNvCxnSpPr>
-          <p:nvPr/>
-        </p:nvCxnSpPr>
-        <p:spPr>
-          <a:xfrm flipV="1">
-            <a:off x="4032559" y="4996052"/>
-            <a:ext cx="850337" cy="756767"/>
-          </a:xfrm>
-          <a:prstGeom prst="straightConnector1">
-            <a:avLst/>
-          </a:prstGeom>
-          <a:ln w="19050">
-            <a:tailEnd type="triangle"/>
-          </a:ln>
-        </p:spPr>
-        <p:style>
-          <a:lnRef idx="1">
-            <a:schemeClr val="accent1"/>
-          </a:lnRef>
-          <a:fillRef idx="0">
-            <a:schemeClr val="accent1"/>
-          </a:fillRef>
-          <a:effectRef idx="0">
-            <a:schemeClr val="accent1"/>
-          </a:effectRef>
-          <a:fontRef idx="minor">
-            <a:schemeClr val="tx1"/>
-          </a:fontRef>
-        </p:style>
-      </p:cxnSp>
-      <p:sp>
-        <p:nvSpPr>
-          <p:cNvPr id="24" name="TextBox 23"/>
-          <p:cNvSpPr txBox="1"/>
-          <p:nvPr/>
-        </p:nvSpPr>
-        <p:spPr>
-          <a:xfrm>
-            <a:off x="6693408" y="4315968"/>
-            <a:ext cx="4992624" cy="707886"/>
-          </a:xfrm>
-          <a:prstGeom prst="rect">
-            <a:avLst/>
-          </a:prstGeom>
-          <a:noFill/>
-        </p:spPr>
-        <p:txBody>
-          <a:bodyPr wrap="square" rtlCol="0">
-            <a:spAutoFit/>
-          </a:bodyPr>
-          <a:lstStyle/>
-          <a:p>
-            <a:r>
-              <a:rPr lang="en-US" sz="2000" dirty="0" smtClean="0">
-                <a:latin typeface="Candara" panose="020E0502030303020204" pitchFamily="34" charset="0"/>
-              </a:rPr>
-              <a:t>You can run these three containers with a single command</a:t>
-            </a:r>
-            <a:endParaRPr lang="en-US" sz="2000" dirty="0">
-              <a:latin typeface="Candara" panose="020E0502030303020204" pitchFamily="34" charset="0"/>
-            </a:endParaRPr>
-          </a:p>
-        </p:txBody>
-      </p:sp>
     </p:spTree>
     <p:extLst>
       <p:ext uri="{BB962C8B-B14F-4D97-AF65-F5344CB8AC3E}">
-        <p14:creationId xmlns:p14="http://schemas.microsoft.com/office/powerpoint/2010/main" val="2356186693"/>
+        <p14:creationId xmlns:p14="http://schemas.microsoft.com/office/powerpoint/2010/main" val="73484143"/>
       </p:ext>
     </p:extLst>
   </p:cSld>
@@ -15269,7 +14935,7 @@
           <a:p>
             <a:r>
               <a:rPr lang="en-US" dirty="0"/>
-              <a:t>YML File</a:t>
+              <a:t>Docker Compose</a:t>
             </a:r>
           </a:p>
         </p:txBody>
@@ -15284,70 +14950,79 @@
             <p:ph idx="1"/>
           </p:nvPr>
         </p:nvSpPr>
-        <p:spPr/>
-        <p:txBody>
-          <a:bodyPr>
-            <a:normAutofit/>
-          </a:bodyPr>
-          <a:lstStyle/>
-          <a:p>
+        <p:spPr>
+          <a:xfrm>
+            <a:off x="347527" y="1406880"/>
+            <a:ext cx="8714178" cy="4746091"/>
+          </a:xfrm>
+        </p:spPr>
+        <p:txBody>
+          <a:bodyPr/>
+          <a:lstStyle/>
+          <a:p>
+            <a:pPr>
+              <a:lnSpc>
+                <a:spcPct val="150000"/>
+              </a:lnSpc>
+            </a:pPr>
+            <a:r>
+              <a:rPr lang="en-US" dirty="0" smtClean="0"/>
+              <a:t>Features</a:t>
+            </a:r>
+          </a:p>
+          <a:p>
+            <a:pPr lvl="1">
+              <a:lnSpc>
+                <a:spcPct val="150000"/>
+              </a:lnSpc>
+            </a:pPr>
             <a:r>
               <a:rPr lang="en-US" dirty="0"/>
-              <a:t>Version</a:t>
-            </a:r>
-          </a:p>
-          <a:p>
+              <a:t>Multiple isolated environments on a single host</a:t>
+            </a:r>
+          </a:p>
+          <a:p>
+            <a:pPr lvl="1">
+              <a:lnSpc>
+                <a:spcPct val="150000"/>
+              </a:lnSpc>
+            </a:pPr>
             <a:r>
               <a:rPr lang="en-US" dirty="0"/>
-              <a:t>Services</a:t>
-            </a:r>
-          </a:p>
-          <a:p>
-            <a:pPr lvl="1"/>
+              <a:t>Preserve volume data when containers are created</a:t>
+            </a:r>
+          </a:p>
+          <a:p>
+            <a:pPr lvl="1">
+              <a:lnSpc>
+                <a:spcPct val="150000"/>
+              </a:lnSpc>
+            </a:pPr>
             <a:r>
               <a:rPr lang="en-US" dirty="0"/>
-              <a:t>Build</a:t>
-            </a:r>
-          </a:p>
-          <a:p>
-            <a:pPr lvl="1"/>
+              <a:t>Only recreate containers that have changed</a:t>
+            </a:r>
+          </a:p>
+          <a:p>
+            <a:pPr lvl="1">
+              <a:lnSpc>
+                <a:spcPct val="150000"/>
+              </a:lnSpc>
+            </a:pPr>
             <a:r>
               <a:rPr lang="en-US" dirty="0"/>
-              <a:t>Image	</a:t>
-            </a:r>
-          </a:p>
-          <a:p>
-            <a:pPr lvl="1"/>
+              <a:t>Variables and moving a composition between environments</a:t>
+            </a:r>
+          </a:p>
+          <a:p>
+            <a:pPr lvl="1">
+              <a:lnSpc>
+                <a:spcPct val="150000"/>
+              </a:lnSpc>
+            </a:pPr>
             <a:r>
               <a:rPr lang="en-US" dirty="0"/>
-              <a:t>Environment</a:t>
-            </a:r>
-          </a:p>
-          <a:p>
-            <a:pPr lvl="1"/>
-            <a:r>
-              <a:rPr lang="en-US" dirty="0"/>
-              <a:t>Ports</a:t>
-            </a:r>
-          </a:p>
-          <a:p>
-            <a:pPr lvl="1"/>
-            <a:r>
-              <a:rPr lang="en-US" dirty="0" smtClean="0"/>
-              <a:t>Volumes</a:t>
-            </a:r>
-            <a:endParaRPr lang="en-US" dirty="0"/>
-          </a:p>
-          <a:p>
-            <a:r>
-              <a:rPr lang="en-US" dirty="0"/>
-              <a:t>Volumes</a:t>
-            </a:r>
-          </a:p>
-          <a:p>
-            <a:r>
-              <a:rPr lang="en-US" dirty="0"/>
-              <a:t>Networks</a:t>
+              <a:t>Multiple compose files</a:t>
             </a:r>
           </a:p>
         </p:txBody>
@@ -15371,6 +15046,890 @@
               <a:rPr lang="en-US" smtClean="0"/>
               <a:pPr/>
               <a:t>34</a:t>
+            </a:fld>
+            <a:endParaRPr lang="en-US" dirty="0"/>
+          </a:p>
+        </p:txBody>
+      </p:sp>
+      <p:pic>
+        <p:nvPicPr>
+          <p:cNvPr id="5" name="Picture 2" descr="Drupal Development with Docker Compose | Chapter Three">
+            <a:extLst>
+              <a:ext uri="{FF2B5EF4-FFF2-40B4-BE49-F238E27FC236}">
+                <a16:creationId xmlns:a16="http://schemas.microsoft.com/office/drawing/2014/main" id="{69FAA775-D804-483C-A48F-212BE2B8A719}"/>
+              </a:ext>
+            </a:extLst>
+          </p:cNvPr>
+          <p:cNvPicPr>
+            <a:picLocks noChangeAspect="1" noChangeArrowheads="1"/>
+          </p:cNvPicPr>
+          <p:nvPr/>
+        </p:nvPicPr>
+        <p:blipFill>
+          <a:blip r:embed="rId2" cstate="print">
+            <a:extLst>
+              <a:ext uri="{28A0092B-C50C-407E-A947-70E740481C1C}">
+                <a14:useLocalDpi xmlns:a14="http://schemas.microsoft.com/office/drawing/2010/main" val="0"/>
+              </a:ext>
+            </a:extLst>
+          </a:blip>
+          <a:srcRect/>
+          <a:stretch>
+            <a:fillRect/>
+          </a:stretch>
+        </p:blipFill>
+        <p:spPr bwMode="auto">
+          <a:xfrm>
+            <a:off x="8973946" y="1415507"/>
+            <a:ext cx="2763699" cy="4869160"/>
+          </a:xfrm>
+          <a:prstGeom prst="rect">
+            <a:avLst/>
+          </a:prstGeom>
+          <a:noFill/>
+          <a:extLst>
+            <a:ext uri="{909E8E84-426E-40DD-AFC4-6F175D3DCCD1}">
+              <a14:hiddenFill xmlns:a14="http://schemas.microsoft.com/office/drawing/2010/main">
+                <a:solidFill>
+                  <a:srgbClr val="FFFFFF"/>
+                </a:solidFill>
+              </a14:hiddenFill>
+            </a:ext>
+          </a:extLst>
+        </p:spPr>
+      </p:pic>
+    </p:spTree>
+    <p:extLst>
+      <p:ext uri="{BB962C8B-B14F-4D97-AF65-F5344CB8AC3E}">
+        <p14:creationId xmlns:p14="http://schemas.microsoft.com/office/powerpoint/2010/main" val="2828040305"/>
+      </p:ext>
+    </p:extLst>
+  </p:cSld>
+  <p:clrMapOvr>
+    <a:masterClrMapping/>
+  </p:clrMapOvr>
+</p:sld>
+</file>
+
+<file path=ppt/slides/slide35.xml><?xml version="1.0" encoding="utf-8"?>
+<p:sld xmlns:a="http://schemas.openxmlformats.org/drawingml/2006/main" xmlns:r="http://schemas.openxmlformats.org/officeDocument/2006/relationships" xmlns:p="http://schemas.openxmlformats.org/presentationml/2006/main">
+  <p:cSld>
+    <p:spTree>
+      <p:nvGrpSpPr>
+        <p:cNvPr id="1" name=""/>
+        <p:cNvGrpSpPr/>
+        <p:nvPr/>
+      </p:nvGrpSpPr>
+      <p:grpSpPr>
+        <a:xfrm>
+          <a:off x="0" y="0"/>
+          <a:ext cx="0" cy="0"/>
+          <a:chOff x="0" y="0"/>
+          <a:chExt cx="0" cy="0"/>
+        </a:xfrm>
+      </p:grpSpPr>
+      <p:sp>
+        <p:nvSpPr>
+          <p:cNvPr id="2" name="Title 1"/>
+          <p:cNvSpPr>
+            <a:spLocks noGrp="1"/>
+          </p:cNvSpPr>
+          <p:nvPr>
+            <p:ph type="title"/>
+          </p:nvPr>
+        </p:nvSpPr>
+        <p:spPr/>
+        <p:txBody>
+          <a:bodyPr/>
+          <a:lstStyle/>
+          <a:p>
+            <a:r>
+              <a:rPr lang="en-US" dirty="0" smtClean="0"/>
+              <a:t>Docker Compose</a:t>
+            </a:r>
+            <a:endParaRPr lang="en-US" dirty="0"/>
+          </a:p>
+        </p:txBody>
+      </p:sp>
+      <p:sp>
+        <p:nvSpPr>
+          <p:cNvPr id="4" name="Slide Number Placeholder 3"/>
+          <p:cNvSpPr>
+            <a:spLocks noGrp="1"/>
+          </p:cNvSpPr>
+          <p:nvPr>
+            <p:ph type="sldNum" sz="quarter" idx="12"/>
+          </p:nvPr>
+        </p:nvSpPr>
+        <p:spPr/>
+        <p:txBody>
+          <a:bodyPr/>
+          <a:lstStyle/>
+          <a:p>
+            <a:fld id="{B8DACC02-A2BD-4578-8E03-6D891060A695}" type="slidenum">
+              <a:rPr lang="en-US" smtClean="0"/>
+              <a:pPr/>
+              <a:t>35</a:t>
+            </a:fld>
+            <a:endParaRPr lang="en-US" dirty="0"/>
+          </a:p>
+        </p:txBody>
+      </p:sp>
+      <p:pic>
+        <p:nvPicPr>
+          <p:cNvPr id="9218" name="Picture 2" descr="Updating a Container with Docker Compose"/>
+          <p:cNvPicPr>
+            <a:picLocks noChangeAspect="1" noChangeArrowheads="1"/>
+          </p:cNvPicPr>
+          <p:nvPr/>
+        </p:nvPicPr>
+        <p:blipFill rotWithShape="1">
+          <a:blip r:embed="rId2" cstate="print">
+            <a:extLst>
+              <a:ext uri="{28A0092B-C50C-407E-A947-70E740481C1C}">
+                <a14:useLocalDpi xmlns:a14="http://schemas.microsoft.com/office/drawing/2010/main" val="0"/>
+              </a:ext>
+            </a:extLst>
+          </a:blip>
+          <a:srcRect l="9223" t="11775" r="63027" b="11855"/>
+          <a:stretch/>
+        </p:blipFill>
+        <p:spPr bwMode="auto">
+          <a:xfrm>
+            <a:off x="563815" y="1406880"/>
+            <a:ext cx="1301561" cy="1720368"/>
+          </a:xfrm>
+          <a:prstGeom prst="rect">
+            <a:avLst/>
+          </a:prstGeom>
+          <a:noFill/>
+          <a:extLst>
+            <a:ext uri="{909E8E84-426E-40DD-AFC4-6F175D3DCCD1}">
+              <a14:hiddenFill xmlns:a14="http://schemas.microsoft.com/office/drawing/2010/main">
+                <a:solidFill>
+                  <a:srgbClr val="FFFFFF"/>
+                </a:solidFill>
+              </a14:hiddenFill>
+            </a:ext>
+          </a:extLst>
+        </p:spPr>
+      </p:pic>
+      <p:sp>
+        <p:nvSpPr>
+          <p:cNvPr id="6" name="Round Diagonal Corner Rectangle 5"/>
+          <p:cNvSpPr/>
+          <p:nvPr/>
+        </p:nvSpPr>
+        <p:spPr>
+          <a:xfrm>
+            <a:off x="2276911" y="1457506"/>
+            <a:ext cx="8458145" cy="1669742"/>
+          </a:xfrm>
+          <a:prstGeom prst="round2DiagRect">
+            <a:avLst/>
+          </a:prstGeom>
+          <a:noFill/>
+          <a:ln w="19050" cap="flat" cmpd="sng" algn="ctr">
+            <a:solidFill>
+              <a:schemeClr val="accent1"/>
+            </a:solidFill>
+            <a:prstDash val="solid"/>
+            <a:round/>
+            <a:headEnd type="none" w="med" len="med"/>
+            <a:tailEnd type="none" w="med" len="med"/>
+          </a:ln>
+        </p:spPr>
+        <p:style>
+          <a:lnRef idx="0">
+            <a:scrgbClr r="0" g="0" b="0"/>
+          </a:lnRef>
+          <a:fillRef idx="0">
+            <a:scrgbClr r="0" g="0" b="0"/>
+          </a:fillRef>
+          <a:effectRef idx="0">
+            <a:scrgbClr r="0" g="0" b="0"/>
+          </a:effectRef>
+          <a:fontRef idx="minor">
+            <a:schemeClr val="accent1"/>
+          </a:fontRef>
+        </p:style>
+        <p:txBody>
+          <a:bodyPr rtlCol="0" anchor="ctr"/>
+          <a:lstStyle/>
+          <a:p>
+            <a:pPr algn="just"/>
+            <a:r>
+              <a:rPr lang="en-US" sz="2000" dirty="0" smtClean="0">
+                <a:solidFill>
+                  <a:schemeClr val="tx1"/>
+                </a:solidFill>
+                <a:latin typeface="Candara" panose="020E0502030303020204" pitchFamily="34" charset="0"/>
+              </a:rPr>
+              <a:t>Docker Compose make it easier to configure and run applications made up of multiple containers. For example, imagine being able to define three containers-one running a web app, another running </a:t>
+            </a:r>
+            <a:r>
+              <a:rPr lang="en-US" sz="2000" dirty="0" err="1" smtClean="0">
+                <a:solidFill>
+                  <a:schemeClr val="tx1"/>
+                </a:solidFill>
+                <a:latin typeface="Candara" panose="020E0502030303020204" pitchFamily="34" charset="0"/>
+              </a:rPr>
+              <a:t>postgres</a:t>
+            </a:r>
+            <a:r>
+              <a:rPr lang="en-US" sz="2000" dirty="0" smtClean="0">
+                <a:solidFill>
+                  <a:schemeClr val="tx1"/>
+                </a:solidFill>
+                <a:latin typeface="Candara" panose="020E0502030303020204" pitchFamily="34" charset="0"/>
+              </a:rPr>
+              <a:t>, and a third running </a:t>
+            </a:r>
+            <a:r>
+              <a:rPr lang="en-US" sz="2000" dirty="0" err="1" smtClean="0">
+                <a:solidFill>
+                  <a:schemeClr val="tx1"/>
+                </a:solidFill>
+                <a:latin typeface="Candara" panose="020E0502030303020204" pitchFamily="34" charset="0"/>
+              </a:rPr>
+              <a:t>redis</a:t>
+            </a:r>
+            <a:r>
+              <a:rPr lang="en-US" sz="2000" dirty="0" smtClean="0">
+                <a:solidFill>
+                  <a:schemeClr val="tx1"/>
+                </a:solidFill>
+                <a:latin typeface="Candara" panose="020E0502030303020204" pitchFamily="34" charset="0"/>
+              </a:rPr>
+              <a:t>-all in one YML file and then running those three connected containers in a single command</a:t>
+            </a:r>
+            <a:endParaRPr lang="en-US" sz="2000" dirty="0">
+              <a:solidFill>
+                <a:schemeClr val="tx1"/>
+              </a:solidFill>
+              <a:latin typeface="Candara" panose="020E0502030303020204" pitchFamily="34" charset="0"/>
+            </a:endParaRPr>
+          </a:p>
+        </p:txBody>
+      </p:sp>
+      <p:sp>
+        <p:nvSpPr>
+          <p:cNvPr id="7" name="Rectangle 6"/>
+          <p:cNvSpPr/>
+          <p:nvPr/>
+        </p:nvSpPr>
+        <p:spPr>
+          <a:xfrm>
+            <a:off x="2898703" y="3767328"/>
+            <a:ext cx="1133856" cy="548641"/>
+          </a:xfrm>
+          <a:prstGeom prst="rect">
+            <a:avLst/>
+          </a:prstGeom>
+          <a:solidFill>
+            <a:schemeClr val="accent1"/>
+          </a:solidFill>
+          <a:ln>
+            <a:noFill/>
+          </a:ln>
+        </p:spPr>
+        <p:style>
+          <a:lnRef idx="0">
+            <a:scrgbClr r="0" g="0" b="0"/>
+          </a:lnRef>
+          <a:fillRef idx="0">
+            <a:scrgbClr r="0" g="0" b="0"/>
+          </a:fillRef>
+          <a:effectRef idx="0">
+            <a:scrgbClr r="0" g="0" b="0"/>
+          </a:effectRef>
+          <a:fontRef idx="minor">
+            <a:schemeClr val="lt1"/>
+          </a:fontRef>
+        </p:style>
+        <p:txBody>
+          <a:bodyPr rtlCol="0" anchor="ctr"/>
+          <a:lstStyle/>
+          <a:p>
+            <a:pPr algn="ctr"/>
+            <a:r>
+              <a:rPr lang="en-US" dirty="0" smtClean="0">
+                <a:latin typeface="Candara" panose="020E0502030303020204" pitchFamily="34" charset="0"/>
+              </a:rPr>
+              <a:t>Web App</a:t>
+            </a:r>
+            <a:endParaRPr lang="en-US" dirty="0">
+              <a:latin typeface="Candara" panose="020E0502030303020204" pitchFamily="34" charset="0"/>
+            </a:endParaRPr>
+          </a:p>
+        </p:txBody>
+      </p:sp>
+      <p:sp>
+        <p:nvSpPr>
+          <p:cNvPr id="8" name="Rectangle 7"/>
+          <p:cNvSpPr/>
+          <p:nvPr/>
+        </p:nvSpPr>
+        <p:spPr>
+          <a:xfrm>
+            <a:off x="2898703" y="4622913"/>
+            <a:ext cx="1133856" cy="548641"/>
+          </a:xfrm>
+          <a:prstGeom prst="rect">
+            <a:avLst/>
+          </a:prstGeom>
+          <a:solidFill>
+            <a:schemeClr val="accent1"/>
+          </a:solidFill>
+          <a:ln>
+            <a:noFill/>
+          </a:ln>
+        </p:spPr>
+        <p:style>
+          <a:lnRef idx="0">
+            <a:scrgbClr r="0" g="0" b="0"/>
+          </a:lnRef>
+          <a:fillRef idx="0">
+            <a:scrgbClr r="0" g="0" b="0"/>
+          </a:fillRef>
+          <a:effectRef idx="0">
+            <a:scrgbClr r="0" g="0" b="0"/>
+          </a:effectRef>
+          <a:fontRef idx="minor">
+            <a:schemeClr val="lt1"/>
+          </a:fontRef>
+        </p:style>
+        <p:txBody>
+          <a:bodyPr rtlCol="0" anchor="ctr"/>
+          <a:lstStyle/>
+          <a:p>
+            <a:pPr algn="ctr"/>
+            <a:r>
+              <a:rPr lang="en-US" dirty="0" err="1" smtClean="0">
+                <a:latin typeface="Candara" panose="020E0502030303020204" pitchFamily="34" charset="0"/>
+              </a:rPr>
+              <a:t>Postgres</a:t>
+            </a:r>
+            <a:endParaRPr lang="en-US" dirty="0">
+              <a:latin typeface="Candara" panose="020E0502030303020204" pitchFamily="34" charset="0"/>
+            </a:endParaRPr>
+          </a:p>
+        </p:txBody>
+      </p:sp>
+      <p:sp>
+        <p:nvSpPr>
+          <p:cNvPr id="9" name="Rectangle 8"/>
+          <p:cNvSpPr/>
+          <p:nvPr/>
+        </p:nvSpPr>
+        <p:spPr>
+          <a:xfrm>
+            <a:off x="2898703" y="5478498"/>
+            <a:ext cx="1133856" cy="548641"/>
+          </a:xfrm>
+          <a:prstGeom prst="rect">
+            <a:avLst/>
+          </a:prstGeom>
+          <a:solidFill>
+            <a:schemeClr val="accent1"/>
+          </a:solidFill>
+          <a:ln>
+            <a:noFill/>
+          </a:ln>
+        </p:spPr>
+        <p:style>
+          <a:lnRef idx="0">
+            <a:scrgbClr r="0" g="0" b="0"/>
+          </a:lnRef>
+          <a:fillRef idx="0">
+            <a:scrgbClr r="0" g="0" b="0"/>
+          </a:fillRef>
+          <a:effectRef idx="0">
+            <a:scrgbClr r="0" g="0" b="0"/>
+          </a:effectRef>
+          <a:fontRef idx="minor">
+            <a:schemeClr val="lt1"/>
+          </a:fontRef>
+        </p:style>
+        <p:txBody>
+          <a:bodyPr rtlCol="0" anchor="ctr"/>
+          <a:lstStyle/>
+          <a:p>
+            <a:pPr algn="ctr"/>
+            <a:r>
+              <a:rPr lang="en-US" dirty="0" err="1" smtClean="0">
+                <a:latin typeface="Candara" panose="020E0502030303020204" pitchFamily="34" charset="0"/>
+              </a:rPr>
+              <a:t>Redis</a:t>
+            </a:r>
+            <a:endParaRPr lang="en-US" dirty="0">
+              <a:latin typeface="Candara" panose="020E0502030303020204" pitchFamily="34" charset="0"/>
+            </a:endParaRPr>
+          </a:p>
+        </p:txBody>
+      </p:sp>
+      <p:sp>
+        <p:nvSpPr>
+          <p:cNvPr id="5" name="Left Brace 4"/>
+          <p:cNvSpPr/>
+          <p:nvPr/>
+        </p:nvSpPr>
+        <p:spPr>
+          <a:xfrm>
+            <a:off x="2304288" y="3959351"/>
+            <a:ext cx="329184" cy="1939771"/>
+          </a:xfrm>
+          <a:prstGeom prst="leftBrace">
+            <a:avLst/>
+          </a:prstGeom>
+          <a:ln w="28575"/>
+        </p:spPr>
+        <p:style>
+          <a:lnRef idx="1">
+            <a:schemeClr val="accent1"/>
+          </a:lnRef>
+          <a:fillRef idx="0">
+            <a:schemeClr val="accent1"/>
+          </a:fillRef>
+          <a:effectRef idx="0">
+            <a:schemeClr val="accent1"/>
+          </a:effectRef>
+          <a:fontRef idx="minor">
+            <a:schemeClr val="tx1"/>
+          </a:fontRef>
+        </p:style>
+        <p:txBody>
+          <a:bodyPr rtlCol="0" anchor="ctr"/>
+          <a:lstStyle/>
+          <a:p>
+            <a:pPr algn="ctr"/>
+            <a:endParaRPr lang="en-US"/>
+          </a:p>
+        </p:txBody>
+      </p:sp>
+      <p:sp>
+        <p:nvSpPr>
+          <p:cNvPr id="10" name="TextBox 9"/>
+          <p:cNvSpPr txBox="1"/>
+          <p:nvPr/>
+        </p:nvSpPr>
+        <p:spPr>
+          <a:xfrm>
+            <a:off x="996751" y="4734806"/>
+            <a:ext cx="1252728" cy="369332"/>
+          </a:xfrm>
+          <a:prstGeom prst="rect">
+            <a:avLst/>
+          </a:prstGeom>
+          <a:noFill/>
+        </p:spPr>
+        <p:txBody>
+          <a:bodyPr wrap="square" rtlCol="0">
+            <a:spAutoFit/>
+          </a:bodyPr>
+          <a:lstStyle/>
+          <a:p>
+            <a:r>
+              <a:rPr lang="en-US" b="1" dirty="0" smtClean="0">
+                <a:latin typeface="Candara" panose="020E0502030303020204" pitchFamily="34" charset="0"/>
+              </a:rPr>
+              <a:t>Containers</a:t>
+            </a:r>
+            <a:endParaRPr lang="en-US" b="1" dirty="0">
+              <a:latin typeface="Candara" panose="020E0502030303020204" pitchFamily="34" charset="0"/>
+            </a:endParaRPr>
+          </a:p>
+        </p:txBody>
+      </p:sp>
+      <p:sp>
+        <p:nvSpPr>
+          <p:cNvPr id="11" name="Rectangle 10"/>
+          <p:cNvSpPr/>
+          <p:nvPr/>
+        </p:nvSpPr>
+        <p:spPr>
+          <a:xfrm>
+            <a:off x="2734056" y="3593592"/>
+            <a:ext cx="1490472" cy="2633472"/>
+          </a:xfrm>
+          <a:prstGeom prst="rect">
+            <a:avLst/>
+          </a:prstGeom>
+          <a:noFill/>
+          <a:ln w="28575">
+            <a:prstDash val="dash"/>
+          </a:ln>
+        </p:spPr>
+        <p:style>
+          <a:lnRef idx="2">
+            <a:schemeClr val="accent1">
+              <a:shade val="50000"/>
+            </a:schemeClr>
+          </a:lnRef>
+          <a:fillRef idx="1">
+            <a:schemeClr val="accent1"/>
+          </a:fillRef>
+          <a:effectRef idx="0">
+            <a:schemeClr val="accent1"/>
+          </a:effectRef>
+          <a:fontRef idx="minor">
+            <a:schemeClr val="lt1"/>
+          </a:fontRef>
+        </p:style>
+        <p:txBody>
+          <a:bodyPr rtlCol="0" anchor="ctr"/>
+          <a:lstStyle/>
+          <a:p>
+            <a:pPr algn="ctr"/>
+            <a:endParaRPr lang="en-US"/>
+          </a:p>
+        </p:txBody>
+      </p:sp>
+      <p:sp>
+        <p:nvSpPr>
+          <p:cNvPr id="13" name="Cube 12"/>
+          <p:cNvSpPr/>
+          <p:nvPr/>
+        </p:nvSpPr>
+        <p:spPr>
+          <a:xfrm>
+            <a:off x="4882896" y="4315968"/>
+            <a:ext cx="1444752" cy="1088135"/>
+          </a:xfrm>
+          <a:prstGeom prst="cube">
+            <a:avLst/>
+          </a:prstGeom>
+        </p:spPr>
+        <p:style>
+          <a:lnRef idx="2">
+            <a:schemeClr val="accent3">
+              <a:shade val="50000"/>
+            </a:schemeClr>
+          </a:lnRef>
+          <a:fillRef idx="1">
+            <a:schemeClr val="accent3"/>
+          </a:fillRef>
+          <a:effectRef idx="0">
+            <a:schemeClr val="accent3"/>
+          </a:effectRef>
+          <a:fontRef idx="minor">
+            <a:schemeClr val="lt1"/>
+          </a:fontRef>
+        </p:style>
+        <p:txBody>
+          <a:bodyPr rtlCol="0" anchor="ctr"/>
+          <a:lstStyle/>
+          <a:p>
+            <a:pPr algn="ctr"/>
+            <a:r>
+              <a:rPr lang="en-US" sz="1700" dirty="0" smtClean="0">
+                <a:solidFill>
+                  <a:schemeClr val="tx1"/>
+                </a:solidFill>
+                <a:latin typeface="Candara" panose="020E0502030303020204" pitchFamily="34" charset="0"/>
+              </a:rPr>
+              <a:t>Docker Compose File</a:t>
+            </a:r>
+            <a:endParaRPr lang="en-US" sz="1700" dirty="0">
+              <a:solidFill>
+                <a:schemeClr val="tx1"/>
+              </a:solidFill>
+              <a:latin typeface="Candara" panose="020E0502030303020204" pitchFamily="34" charset="0"/>
+            </a:endParaRPr>
+          </a:p>
+        </p:txBody>
+      </p:sp>
+      <p:cxnSp>
+        <p:nvCxnSpPr>
+          <p:cNvPr id="14" name="Straight Arrow Connector 13"/>
+          <p:cNvCxnSpPr>
+            <a:stCxn id="7" idx="3"/>
+            <a:endCxn id="13" idx="2"/>
+          </p:cNvCxnSpPr>
+          <p:nvPr/>
+        </p:nvCxnSpPr>
+        <p:spPr>
+          <a:xfrm>
+            <a:off x="4032559" y="4041649"/>
+            <a:ext cx="850337" cy="954403"/>
+          </a:xfrm>
+          <a:prstGeom prst="straightConnector1">
+            <a:avLst/>
+          </a:prstGeom>
+          <a:ln w="19050">
+            <a:tailEnd type="triangle"/>
+          </a:ln>
+        </p:spPr>
+        <p:style>
+          <a:lnRef idx="1">
+            <a:schemeClr val="accent1"/>
+          </a:lnRef>
+          <a:fillRef idx="0">
+            <a:schemeClr val="accent1"/>
+          </a:fillRef>
+          <a:effectRef idx="0">
+            <a:schemeClr val="accent1"/>
+          </a:effectRef>
+          <a:fontRef idx="minor">
+            <a:schemeClr val="tx1"/>
+          </a:fontRef>
+        </p:style>
+      </p:cxnSp>
+      <p:cxnSp>
+        <p:nvCxnSpPr>
+          <p:cNvPr id="17" name="Straight Arrow Connector 16"/>
+          <p:cNvCxnSpPr>
+            <a:stCxn id="8" idx="3"/>
+            <a:endCxn id="13" idx="2"/>
+          </p:cNvCxnSpPr>
+          <p:nvPr/>
+        </p:nvCxnSpPr>
+        <p:spPr>
+          <a:xfrm>
+            <a:off x="4032559" y="4897234"/>
+            <a:ext cx="850337" cy="98818"/>
+          </a:xfrm>
+          <a:prstGeom prst="straightConnector1">
+            <a:avLst/>
+          </a:prstGeom>
+          <a:ln w="19050">
+            <a:tailEnd type="triangle"/>
+          </a:ln>
+        </p:spPr>
+        <p:style>
+          <a:lnRef idx="1">
+            <a:schemeClr val="accent1"/>
+          </a:lnRef>
+          <a:fillRef idx="0">
+            <a:schemeClr val="accent1"/>
+          </a:fillRef>
+          <a:effectRef idx="0">
+            <a:schemeClr val="accent1"/>
+          </a:effectRef>
+          <a:fontRef idx="minor">
+            <a:schemeClr val="tx1"/>
+          </a:fontRef>
+        </p:style>
+      </p:cxnSp>
+      <p:cxnSp>
+        <p:nvCxnSpPr>
+          <p:cNvPr id="20" name="Straight Arrow Connector 19"/>
+          <p:cNvCxnSpPr>
+            <a:stCxn id="9" idx="3"/>
+            <a:endCxn id="13" idx="2"/>
+          </p:cNvCxnSpPr>
+          <p:nvPr/>
+        </p:nvCxnSpPr>
+        <p:spPr>
+          <a:xfrm flipV="1">
+            <a:off x="4032559" y="4996052"/>
+            <a:ext cx="850337" cy="756767"/>
+          </a:xfrm>
+          <a:prstGeom prst="straightConnector1">
+            <a:avLst/>
+          </a:prstGeom>
+          <a:ln w="19050">
+            <a:tailEnd type="triangle"/>
+          </a:ln>
+        </p:spPr>
+        <p:style>
+          <a:lnRef idx="1">
+            <a:schemeClr val="accent1"/>
+          </a:lnRef>
+          <a:fillRef idx="0">
+            <a:schemeClr val="accent1"/>
+          </a:fillRef>
+          <a:effectRef idx="0">
+            <a:schemeClr val="accent1"/>
+          </a:effectRef>
+          <a:fontRef idx="minor">
+            <a:schemeClr val="tx1"/>
+          </a:fontRef>
+        </p:style>
+      </p:cxnSp>
+      <p:sp>
+        <p:nvSpPr>
+          <p:cNvPr id="24" name="TextBox 23"/>
+          <p:cNvSpPr txBox="1"/>
+          <p:nvPr/>
+        </p:nvSpPr>
+        <p:spPr>
+          <a:xfrm>
+            <a:off x="6693408" y="4315968"/>
+            <a:ext cx="4992624" cy="707886"/>
+          </a:xfrm>
+          <a:prstGeom prst="rect">
+            <a:avLst/>
+          </a:prstGeom>
+          <a:noFill/>
+        </p:spPr>
+        <p:txBody>
+          <a:bodyPr wrap="square" rtlCol="0">
+            <a:spAutoFit/>
+          </a:bodyPr>
+          <a:lstStyle/>
+          <a:p>
+            <a:r>
+              <a:rPr lang="en-US" sz="2000" dirty="0" smtClean="0">
+                <a:latin typeface="Candara" panose="020E0502030303020204" pitchFamily="34" charset="0"/>
+              </a:rPr>
+              <a:t>You can run these three containers with a single command</a:t>
+            </a:r>
+            <a:endParaRPr lang="en-US" sz="2000" dirty="0">
+              <a:latin typeface="Candara" panose="020E0502030303020204" pitchFamily="34" charset="0"/>
+            </a:endParaRPr>
+          </a:p>
+        </p:txBody>
+      </p:sp>
+    </p:spTree>
+    <p:extLst>
+      <p:ext uri="{BB962C8B-B14F-4D97-AF65-F5344CB8AC3E}">
+        <p14:creationId xmlns:p14="http://schemas.microsoft.com/office/powerpoint/2010/main" val="2356186693"/>
+      </p:ext>
+    </p:extLst>
+  </p:cSld>
+  <p:clrMapOvr>
+    <a:masterClrMapping/>
+  </p:clrMapOvr>
+</p:sld>
+</file>
+
+<file path=ppt/slides/slide36.xml><?xml version="1.0" encoding="utf-8"?>
+<p:sld xmlns:a="http://schemas.openxmlformats.org/drawingml/2006/main" xmlns:r="http://schemas.openxmlformats.org/officeDocument/2006/relationships" xmlns:p="http://schemas.openxmlformats.org/presentationml/2006/main">
+  <p:cSld>
+    <p:spTree>
+      <p:nvGrpSpPr>
+        <p:cNvPr id="1" name=""/>
+        <p:cNvGrpSpPr/>
+        <p:nvPr/>
+      </p:nvGrpSpPr>
+      <p:grpSpPr>
+        <a:xfrm>
+          <a:off x="0" y="0"/>
+          <a:ext cx="0" cy="0"/>
+          <a:chOff x="0" y="0"/>
+          <a:chExt cx="0" cy="0"/>
+        </a:xfrm>
+      </p:grpSpPr>
+      <p:sp>
+        <p:nvSpPr>
+          <p:cNvPr id="2" name="Title 1"/>
+          <p:cNvSpPr>
+            <a:spLocks noGrp="1"/>
+          </p:cNvSpPr>
+          <p:nvPr>
+            <p:ph type="title"/>
+          </p:nvPr>
+        </p:nvSpPr>
+        <p:spPr/>
+        <p:txBody>
+          <a:bodyPr/>
+          <a:lstStyle/>
+          <a:p>
+            <a:r>
+              <a:rPr lang="en-US" dirty="0"/>
+              <a:t>YML File</a:t>
+            </a:r>
+          </a:p>
+        </p:txBody>
+      </p:sp>
+      <p:sp>
+        <p:nvSpPr>
+          <p:cNvPr id="3" name="Content Placeholder 2"/>
+          <p:cNvSpPr>
+            <a:spLocks noGrp="1"/>
+          </p:cNvSpPr>
+          <p:nvPr>
+            <p:ph idx="1"/>
+          </p:nvPr>
+        </p:nvSpPr>
+        <p:spPr/>
+        <p:txBody>
+          <a:bodyPr>
+            <a:normAutofit/>
+          </a:bodyPr>
+          <a:lstStyle/>
+          <a:p>
+            <a:r>
+              <a:rPr lang="en-US" dirty="0"/>
+              <a:t>Version</a:t>
+            </a:r>
+          </a:p>
+          <a:p>
+            <a:r>
+              <a:rPr lang="en-US" dirty="0"/>
+              <a:t>Services</a:t>
+            </a:r>
+          </a:p>
+          <a:p>
+            <a:pPr lvl="1"/>
+            <a:r>
+              <a:rPr lang="en-US" dirty="0"/>
+              <a:t>Build</a:t>
+            </a:r>
+          </a:p>
+          <a:p>
+            <a:pPr lvl="1"/>
+            <a:r>
+              <a:rPr lang="en-US" dirty="0"/>
+              <a:t>Image	</a:t>
+            </a:r>
+          </a:p>
+          <a:p>
+            <a:pPr lvl="1"/>
+            <a:r>
+              <a:rPr lang="en-US" dirty="0"/>
+              <a:t>Environment</a:t>
+            </a:r>
+          </a:p>
+          <a:p>
+            <a:pPr lvl="1"/>
+            <a:r>
+              <a:rPr lang="en-US" dirty="0"/>
+              <a:t>Ports</a:t>
+            </a:r>
+          </a:p>
+          <a:p>
+            <a:pPr lvl="1"/>
+            <a:r>
+              <a:rPr lang="en-US" dirty="0" smtClean="0"/>
+              <a:t>Volumes</a:t>
+            </a:r>
+            <a:endParaRPr lang="en-US" dirty="0"/>
+          </a:p>
+          <a:p>
+            <a:r>
+              <a:rPr lang="en-US" dirty="0"/>
+              <a:t>Volumes</a:t>
+            </a:r>
+          </a:p>
+          <a:p>
+            <a:r>
+              <a:rPr lang="en-US" dirty="0"/>
+              <a:t>Networks</a:t>
+            </a:r>
+          </a:p>
+        </p:txBody>
+      </p:sp>
+      <p:sp>
+        <p:nvSpPr>
+          <p:cNvPr id="4" name="Slide Number Placeholder 3"/>
+          <p:cNvSpPr>
+            <a:spLocks noGrp="1"/>
+          </p:cNvSpPr>
+          <p:nvPr>
+            <p:ph type="sldNum" sz="quarter" idx="12"/>
+          </p:nvPr>
+        </p:nvSpPr>
+        <p:spPr/>
+        <p:txBody>
+          <a:bodyPr/>
+          <a:lstStyle/>
+          <a:p>
+            <a:fld id="{B8DACC02-A2BD-4578-8E03-6D891060A695}" type="slidenum">
+              <a:rPr lang="en-US" smtClean="0"/>
+              <a:pPr/>
+              <a:t>36</a:t>
             </a:fld>
             <a:endParaRPr lang="en-US" dirty="0"/>
           </a:p>
